--- a/OUTTA_ESG기업 평가 프로젝트 발표 자료.pptx
+++ b/OUTTA_ESG기업 평가 프로젝트 발표 자료.pptx
@@ -6,15 +6,17 @@
   </p:sldMasterIdLst>
   <p:sldIdLst>
     <p:sldId id="256" r:id="rId2"/>
-    <p:sldId id="291" r:id="rId3"/>
-    <p:sldId id="270" r:id="rId4"/>
-    <p:sldId id="292" r:id="rId5"/>
-    <p:sldId id="293" r:id="rId6"/>
-    <p:sldId id="264" r:id="rId7"/>
-    <p:sldId id="294" r:id="rId8"/>
-    <p:sldId id="287" r:id="rId9"/>
-    <p:sldId id="295" r:id="rId10"/>
-    <p:sldId id="290" r:id="rId11"/>
+    <p:sldId id="297" r:id="rId3"/>
+    <p:sldId id="291" r:id="rId4"/>
+    <p:sldId id="270" r:id="rId5"/>
+    <p:sldId id="292" r:id="rId6"/>
+    <p:sldId id="293" r:id="rId7"/>
+    <p:sldId id="296" r:id="rId8"/>
+    <p:sldId id="264" r:id="rId9"/>
+    <p:sldId id="294" r:id="rId10"/>
+    <p:sldId id="287" r:id="rId11"/>
+    <p:sldId id="295" r:id="rId12"/>
+    <p:sldId id="290" r:id="rId13"/>
   </p:sldIdLst>
   <p:sldSz cx="18288000" cy="10287000"/>
   <p:notesSz cx="10287000" cy="18288000"/>
@@ -132,12 +134,20 @@
 </p:presentation>
 </file>
 
+<file path=ppt/revisionInfo.xml><?xml version="1.0" encoding="utf-8"?>
+<p1510:revInfo xmlns:a="http://schemas.openxmlformats.org/drawingml/2006/main" xmlns:r="http://schemas.openxmlformats.org/officeDocument/2006/relationships" xmlns:p1510="http://schemas.microsoft.com/office/powerpoint/2015/10/main">
+  <p1510:revLst>
+    <p1510:client id="{378544E6-BB36-475C-B369-73D3B3F5A412}" v="8" dt="2023-08-26T16:20:26.284"/>
+  </p1510:revLst>
+</p1510:revInfo>
+</file>
+
 <file path=ppt/changesInfos/changesInfo1.xml><?xml version="1.0" encoding="utf-8"?>
 <pc:chgInfo xmlns:a="http://schemas.openxmlformats.org/drawingml/2006/main" xmlns:r="http://schemas.openxmlformats.org/officeDocument/2006/relationships" xmlns:ac="http://schemas.microsoft.com/office/drawing/2013/main/command" xmlns:pc="http://schemas.microsoft.com/office/powerpoint/2013/main/command">
   <pc:docChgLst>
     <pc:chgData name="노성현 노성현" userId="2ef5420b7807ac23" providerId="LiveId" clId="{378544E6-BB36-475C-B369-73D3B3F5A412}"/>
-    <pc:docChg chg="custSel modSld">
-      <pc:chgData name="노성현 노성현" userId="2ef5420b7807ac23" providerId="LiveId" clId="{378544E6-BB36-475C-B369-73D3B3F5A412}" dt="2023-08-26T15:54:19.924" v="4" actId="478"/>
+    <pc:docChg chg="undo custSel addSld modSld">
+      <pc:chgData name="노성현 노성현" userId="2ef5420b7807ac23" providerId="LiveId" clId="{378544E6-BB36-475C-B369-73D3B3F5A412}" dt="2023-08-26T16:20:26.284" v="156"/>
       <pc:docMkLst>
         <pc:docMk/>
       </pc:docMkLst>
@@ -251,6 +261,171 @@
             <ac:picMk id="18" creationId="{00000000-0000-0000-0000-000000000000}"/>
           </ac:picMkLst>
         </pc:picChg>
+      </pc:sldChg>
+      <pc:sldChg chg="addSp delSp modSp mod">
+        <pc:chgData name="노성현 노성현" userId="2ef5420b7807ac23" providerId="LiveId" clId="{378544E6-BB36-475C-B369-73D3B3F5A412}" dt="2023-08-26T16:06:46.754" v="36" actId="22"/>
+        <pc:sldMkLst>
+          <pc:docMk/>
+          <pc:sldMk cId="1985701088" sldId="293"/>
+        </pc:sldMkLst>
+        <pc:picChg chg="add del mod">
+          <ac:chgData name="노성현 노성현" userId="2ef5420b7807ac23" providerId="LiveId" clId="{378544E6-BB36-475C-B369-73D3B3F5A412}" dt="2023-08-26T16:06:46.754" v="36" actId="22"/>
+          <ac:picMkLst>
+            <pc:docMk/>
+            <pc:sldMk cId="1985701088" sldId="293"/>
+            <ac:picMk id="6" creationId="{53E1E706-4DBD-BE43-AA87-068FBD268EF0}"/>
+          </ac:picMkLst>
+        </pc:picChg>
+        <pc:picChg chg="mod">
+          <ac:chgData name="노성현 노성현" userId="2ef5420b7807ac23" providerId="LiveId" clId="{378544E6-BB36-475C-B369-73D3B3F5A412}" dt="2023-08-26T16:06:41.716" v="25" actId="1076"/>
+          <ac:picMkLst>
+            <pc:docMk/>
+            <pc:sldMk cId="1985701088" sldId="293"/>
+            <ac:picMk id="8" creationId="{591BD6FD-20AD-BDF2-969C-1E2A16621C42}"/>
+          </ac:picMkLst>
+        </pc:picChg>
+        <pc:picChg chg="add del mod">
+          <ac:chgData name="노성현 노성현" userId="2ef5420b7807ac23" providerId="LiveId" clId="{378544E6-BB36-475C-B369-73D3B3F5A412}" dt="2023-08-26T16:06:43.003" v="28" actId="22"/>
+          <ac:picMkLst>
+            <pc:docMk/>
+            <pc:sldMk cId="1985701088" sldId="293"/>
+            <ac:picMk id="9" creationId="{42A1F2DE-CA38-637F-9044-AF24F63C8828}"/>
+          </ac:picMkLst>
+        </pc:picChg>
+        <pc:picChg chg="add del">
+          <ac:chgData name="노성현 노성현" userId="2ef5420b7807ac23" providerId="LiveId" clId="{378544E6-BB36-475C-B369-73D3B3F5A412}" dt="2023-08-26T16:06:45.368" v="34" actId="478"/>
+          <ac:picMkLst>
+            <pc:docMk/>
+            <pc:sldMk cId="1985701088" sldId="293"/>
+            <ac:picMk id="15" creationId="{9C34EF6C-8471-99CA-44AE-B437BD539156}"/>
+          </ac:picMkLst>
+        </pc:picChg>
+      </pc:sldChg>
+      <pc:sldChg chg="addSp delSp modSp add mod">
+        <pc:chgData name="노성현 노성현" userId="2ef5420b7807ac23" providerId="LiveId" clId="{378544E6-BB36-475C-B369-73D3B3F5A412}" dt="2023-08-26T16:08:16.238" v="76" actId="20577"/>
+        <pc:sldMkLst>
+          <pc:docMk/>
+          <pc:sldMk cId="4270013517" sldId="296"/>
+        </pc:sldMkLst>
+        <pc:spChg chg="mod">
+          <ac:chgData name="노성현 노성현" userId="2ef5420b7807ac23" providerId="LiveId" clId="{378544E6-BB36-475C-B369-73D3B3F5A412}" dt="2023-08-26T16:08:16.238" v="76" actId="20577"/>
+          <ac:spMkLst>
+            <pc:docMk/>
+            <pc:sldMk cId="4270013517" sldId="296"/>
+            <ac:spMk id="2" creationId="{0A81C69F-F331-5BCE-FABB-9B09E978ABE6}"/>
+          </ac:spMkLst>
+        </pc:spChg>
+        <pc:picChg chg="del">
+          <ac:chgData name="노성현 노성현" userId="2ef5420b7807ac23" providerId="LiveId" clId="{378544E6-BB36-475C-B369-73D3B3F5A412}" dt="2023-08-26T16:06:52.190" v="38" actId="478"/>
+          <ac:picMkLst>
+            <pc:docMk/>
+            <pc:sldMk cId="4270013517" sldId="296"/>
+            <ac:picMk id="5" creationId="{75A74F83-EA08-CE9B-8483-FF7B895C8F82}"/>
+          </ac:picMkLst>
+        </pc:picChg>
+        <pc:picChg chg="add mod">
+          <ac:chgData name="노성현 노성현" userId="2ef5420b7807ac23" providerId="LiveId" clId="{378544E6-BB36-475C-B369-73D3B3F5A412}" dt="2023-08-26T16:07:09.094" v="44" actId="1076"/>
+          <ac:picMkLst>
+            <pc:docMk/>
+            <pc:sldMk cId="4270013517" sldId="296"/>
+            <ac:picMk id="6" creationId="{432FEF9A-EA81-361A-A563-B889C5466607}"/>
+          </ac:picMkLst>
+        </pc:picChg>
+        <pc:picChg chg="del">
+          <ac:chgData name="노성현 노성현" userId="2ef5420b7807ac23" providerId="LiveId" clId="{378544E6-BB36-475C-B369-73D3B3F5A412}" dt="2023-08-26T16:06:54.261" v="40" actId="478"/>
+          <ac:picMkLst>
+            <pc:docMk/>
+            <pc:sldMk cId="4270013517" sldId="296"/>
+            <ac:picMk id="8" creationId="{591BD6FD-20AD-BDF2-969C-1E2A16621C42}"/>
+          </ac:picMkLst>
+        </pc:picChg>
+        <pc:picChg chg="add mod">
+          <ac:chgData name="노성현 노성현" userId="2ef5420b7807ac23" providerId="LiveId" clId="{378544E6-BB36-475C-B369-73D3B3F5A412}" dt="2023-08-26T16:07:20.239" v="47" actId="1076"/>
+          <ac:picMkLst>
+            <pc:docMk/>
+            <pc:sldMk cId="4270013517" sldId="296"/>
+            <ac:picMk id="9" creationId="{B669B210-8A3A-3B48-6297-881F9A0AB98C}"/>
+          </ac:picMkLst>
+        </pc:picChg>
+        <pc:picChg chg="del">
+          <ac:chgData name="노성현 노성현" userId="2ef5420b7807ac23" providerId="LiveId" clId="{378544E6-BB36-475C-B369-73D3B3F5A412}" dt="2023-08-26T16:06:53.218" v="39" actId="478"/>
+          <ac:picMkLst>
+            <pc:docMk/>
+            <pc:sldMk cId="4270013517" sldId="296"/>
+            <ac:picMk id="12" creationId="{5C9251E7-5A2D-65A1-BDE1-49962BF34654}"/>
+          </ac:picMkLst>
+        </pc:picChg>
+        <pc:picChg chg="add mod">
+          <ac:chgData name="노성현 노성현" userId="2ef5420b7807ac23" providerId="LiveId" clId="{378544E6-BB36-475C-B369-73D3B3F5A412}" dt="2023-08-26T16:07:38.713" v="50" actId="1076"/>
+          <ac:picMkLst>
+            <pc:docMk/>
+            <pc:sldMk cId="4270013517" sldId="296"/>
+            <ac:picMk id="14" creationId="{45148485-40D1-BEE9-6251-A6B6E219A6D0}"/>
+          </ac:picMkLst>
+        </pc:picChg>
+        <pc:picChg chg="del">
+          <ac:chgData name="노성현 노성현" userId="2ef5420b7807ac23" providerId="LiveId" clId="{378544E6-BB36-475C-B369-73D3B3F5A412}" dt="2023-08-26T16:06:55.274" v="41" actId="478"/>
+          <ac:picMkLst>
+            <pc:docMk/>
+            <pc:sldMk cId="4270013517" sldId="296"/>
+            <ac:picMk id="15" creationId="{9C34EF6C-8471-99CA-44AE-B437BD539156}"/>
+          </ac:picMkLst>
+        </pc:picChg>
+        <pc:picChg chg="add mod">
+          <ac:chgData name="노성현 노성현" userId="2ef5420b7807ac23" providerId="LiveId" clId="{378544E6-BB36-475C-B369-73D3B3F5A412}" dt="2023-08-26T16:08:04.282" v="55" actId="1076"/>
+          <ac:picMkLst>
+            <pc:docMk/>
+            <pc:sldMk cId="4270013517" sldId="296"/>
+            <ac:picMk id="18" creationId="{1F341AB3-FE39-69CB-FF88-65DDCFF21BFA}"/>
+          </ac:picMkLst>
+        </pc:picChg>
+      </pc:sldChg>
+      <pc:sldChg chg="delSp modSp add mod">
+        <pc:chgData name="노성현 노성현" userId="2ef5420b7807ac23" providerId="LiveId" clId="{378544E6-BB36-475C-B369-73D3B3F5A412}" dt="2023-08-26T16:20:26.284" v="156"/>
+        <pc:sldMkLst>
+          <pc:docMk/>
+          <pc:sldMk cId="4108104951" sldId="297"/>
+        </pc:sldMkLst>
+        <pc:spChg chg="del mod">
+          <ac:chgData name="노성현 노성현" userId="2ef5420b7807ac23" providerId="LiveId" clId="{378544E6-BB36-475C-B369-73D3B3F5A412}" dt="2023-08-26T16:19:55.959" v="85" actId="478"/>
+          <ac:spMkLst>
+            <pc:docMk/>
+            <pc:sldMk cId="4108104951" sldId="297"/>
+            <ac:spMk id="2" creationId="{7544D3FC-A8B6-1EEC-6AF7-6A807EC95F40}"/>
+          </ac:spMkLst>
+        </pc:spChg>
+        <pc:spChg chg="mod">
+          <ac:chgData name="노성현 노성현" userId="2ef5420b7807ac23" providerId="LiveId" clId="{378544E6-BB36-475C-B369-73D3B3F5A412}" dt="2023-08-26T16:20:10.714" v="130"/>
+          <ac:spMkLst>
+            <pc:docMk/>
+            <pc:sldMk cId="4108104951" sldId="297"/>
+            <ac:spMk id="5" creationId="{A834BDEA-7583-BC43-8DE8-345C8B451AE2}"/>
+          </ac:spMkLst>
+        </pc:spChg>
+        <pc:spChg chg="del">
+          <ac:chgData name="노성현 노성현" userId="2ef5420b7807ac23" providerId="LiveId" clId="{378544E6-BB36-475C-B369-73D3B3F5A412}" dt="2023-08-26T16:20:12.029" v="131" actId="478"/>
+          <ac:spMkLst>
+            <pc:docMk/>
+            <pc:sldMk cId="4108104951" sldId="297"/>
+            <ac:spMk id="6" creationId="{EF427987-CAEC-B8D3-A29D-A8EC1C0BD657}"/>
+          </ac:spMkLst>
+        </pc:spChg>
+        <pc:spChg chg="mod">
+          <ac:chgData name="노성현 노성현" userId="2ef5420b7807ac23" providerId="LiveId" clId="{378544E6-BB36-475C-B369-73D3B3F5A412}" dt="2023-08-26T16:19:53.090" v="83"/>
+          <ac:spMkLst>
+            <pc:docMk/>
+            <pc:sldMk cId="4108104951" sldId="297"/>
+            <ac:spMk id="8" creationId="{CA16B6B9-BD09-2CEF-63F4-68397BA51A98}"/>
+          </ac:spMkLst>
+        </pc:spChg>
+        <pc:spChg chg="mod">
+          <ac:chgData name="노성현 노성현" userId="2ef5420b7807ac23" providerId="LiveId" clId="{378544E6-BB36-475C-B369-73D3B3F5A412}" dt="2023-08-26T16:20:26.284" v="156"/>
+          <ac:spMkLst>
+            <pc:docMk/>
+            <pc:sldMk cId="4108104951" sldId="297"/>
+            <ac:spMk id="14" creationId="{73273AE3-2B70-25CA-E9FE-56D43C629B36}"/>
+          </ac:spMkLst>
+        </pc:spChg>
       </pc:sldChg>
     </pc:docChg>
   </pc:docChgLst>
@@ -3476,6 +3651,217 @@
 
 <file path=ppt/slides/slide10.xml><?xml version="1.0" encoding="utf-8"?>
 <p:sld xmlns:a="http://schemas.openxmlformats.org/drawingml/2006/main" xmlns:r="http://schemas.openxmlformats.org/officeDocument/2006/relationships" xmlns:p="http://schemas.openxmlformats.org/presentationml/2006/main">
+  <p:cSld name="Slide 32">
+    <p:bg>
+      <p:bgPr>
+        <a:solidFill>
+          <a:srgbClr val="000000"/>
+        </a:solidFill>
+        <a:effectLst/>
+      </p:bgPr>
+    </p:bg>
+    <p:spTree>
+      <p:nvGrpSpPr>
+        <p:cNvPr id="1" name=""/>
+        <p:cNvGrpSpPr/>
+        <p:nvPr/>
+      </p:nvGrpSpPr>
+      <p:grpSpPr>
+        <a:xfrm>
+          <a:off x="0" y="0"/>
+          <a:ext cx="0" cy="0"/>
+          <a:chOff x="0" y="0"/>
+          <a:chExt cx="0" cy="0"/>
+        </a:xfrm>
+      </p:grpSpPr>
+      <p:grpSp>
+        <p:nvGrpSpPr>
+          <p:cNvPr id="1001" name="그룹 1001"/>
+          <p:cNvGrpSpPr/>
+          <p:nvPr/>
+        </p:nvGrpSpPr>
+        <p:grpSpPr>
+          <a:xfrm>
+            <a:off x="0" y="-1634442"/>
+            <a:ext cx="18285714" cy="14628571"/>
+            <a:chOff x="0" y="-1634442"/>
+            <a:chExt cx="18285714" cy="14628571"/>
+          </a:xfrm>
+        </p:grpSpPr>
+        <p:pic>
+          <p:nvPicPr>
+            <p:cNvPr id="3" name="Object 2"/>
+            <p:cNvPicPr>
+              <a:picLocks noChangeAspect="1"/>
+            </p:cNvPicPr>
+            <p:nvPr/>
+          </p:nvPicPr>
+          <p:blipFill>
+            <a:blip r:embed="rId2" cstate="print"/>
+            <a:stretch>
+              <a:fillRect/>
+            </a:stretch>
+          </p:blipFill>
+          <p:spPr>
+            <a:xfrm>
+              <a:off x="0" y="-1634442"/>
+              <a:ext cx="18285714" cy="14628571"/>
+            </a:xfrm>
+            <a:prstGeom prst="rect">
+              <a:avLst/>
+            </a:prstGeom>
+          </p:spPr>
+        </p:pic>
+      </p:grpSp>
+      <p:sp>
+        <p:nvSpPr>
+          <p:cNvPr id="2" name="TextBox 1">
+            <a:extLst>
+              <a:ext uri="{FF2B5EF4-FFF2-40B4-BE49-F238E27FC236}">
+                <a16:creationId xmlns:a16="http://schemas.microsoft.com/office/drawing/2014/main" id="{580F6BAA-5E70-217B-F9D0-1C6B4DC42592}"/>
+              </a:ext>
+            </a:extLst>
+          </p:cNvPr>
+          <p:cNvSpPr txBox="1"/>
+          <p:nvPr/>
+        </p:nvSpPr>
+        <p:spPr>
+          <a:xfrm>
+            <a:off x="7729537" y="4660403"/>
+            <a:ext cx="11506200" cy="769441"/>
+          </a:xfrm>
+          <a:prstGeom prst="rect">
+            <a:avLst/>
+          </a:prstGeom>
+          <a:noFill/>
+        </p:spPr>
+        <p:txBody>
+          <a:bodyPr wrap="square" rtlCol="0">
+            <a:spAutoFit/>
+          </a:bodyPr>
+          <a:lstStyle/>
+          <a:p>
+            <a:r>
+              <a:rPr lang="ko-KR" altLang="en-US" sz="4400" b="1" dirty="0"/>
+              <a:t>분업 내용</a:t>
+            </a:r>
+          </a:p>
+        </p:txBody>
+      </p:sp>
+    </p:spTree>
+  </p:cSld>
+  <p:clrMapOvr>
+    <a:masterClrMapping/>
+  </p:clrMapOvr>
+</p:sld>
+</file>
+
+<file path=ppt/slides/slide11.xml><?xml version="1.0" encoding="utf-8"?>
+<p:sld xmlns:a="http://schemas.openxmlformats.org/drawingml/2006/main" xmlns:r="http://schemas.openxmlformats.org/officeDocument/2006/relationships" xmlns:p="http://schemas.openxmlformats.org/presentationml/2006/main">
+  <p:cSld>
+    <p:spTree>
+      <p:nvGrpSpPr>
+        <p:cNvPr id="1" name=""/>
+        <p:cNvGrpSpPr/>
+        <p:nvPr/>
+      </p:nvGrpSpPr>
+      <p:grpSpPr>
+        <a:xfrm>
+          <a:off x="0" y="0"/>
+          <a:ext cx="0" cy="0"/>
+          <a:chOff x="0" y="0"/>
+          <a:chExt cx="0" cy="0"/>
+        </a:xfrm>
+      </p:grpSpPr>
+      <p:grpSp>
+        <p:nvGrpSpPr>
+          <p:cNvPr id="1001" name="그룹 1001"/>
+          <p:cNvGrpSpPr/>
+          <p:nvPr/>
+        </p:nvGrpSpPr>
+        <p:grpSpPr>
+          <a:xfrm>
+            <a:off x="0" y="-1634442"/>
+            <a:ext cx="18285714" cy="14628571"/>
+            <a:chOff x="0" y="-1634442"/>
+            <a:chExt cx="18285714" cy="14628571"/>
+          </a:xfrm>
+        </p:grpSpPr>
+        <p:pic>
+          <p:nvPicPr>
+            <p:cNvPr id="3" name="Object 2"/>
+            <p:cNvPicPr>
+              <a:picLocks noChangeAspect="1"/>
+            </p:cNvPicPr>
+            <p:nvPr/>
+          </p:nvPicPr>
+          <p:blipFill>
+            <a:blip r:embed="rId2" cstate="print"/>
+            <a:stretch>
+              <a:fillRect/>
+            </a:stretch>
+          </p:blipFill>
+          <p:spPr>
+            <a:xfrm>
+              <a:off x="0" y="-1634442"/>
+              <a:ext cx="18285714" cy="14628571"/>
+            </a:xfrm>
+            <a:prstGeom prst="rect">
+              <a:avLst/>
+            </a:prstGeom>
+          </p:spPr>
+        </p:pic>
+      </p:grpSp>
+      <p:sp>
+        <p:nvSpPr>
+          <p:cNvPr id="2" name="TextBox 1">
+            <a:extLst>
+              <a:ext uri="{FF2B5EF4-FFF2-40B4-BE49-F238E27FC236}">
+                <a16:creationId xmlns:a16="http://schemas.microsoft.com/office/drawing/2014/main" id="{580F6BAA-5E70-217B-F9D0-1C6B4DC42592}"/>
+              </a:ext>
+            </a:extLst>
+          </p:cNvPr>
+          <p:cNvSpPr txBox="1"/>
+          <p:nvPr/>
+        </p:nvSpPr>
+        <p:spPr>
+          <a:xfrm>
+            <a:off x="8229600" y="4660403"/>
+            <a:ext cx="11506200" cy="769441"/>
+          </a:xfrm>
+          <a:prstGeom prst="rect">
+            <a:avLst/>
+          </a:prstGeom>
+          <a:noFill/>
+        </p:spPr>
+        <p:txBody>
+          <a:bodyPr wrap="square" rtlCol="0">
+            <a:spAutoFit/>
+          </a:bodyPr>
+          <a:lstStyle/>
+          <a:p>
+            <a:r>
+              <a:rPr lang="ko-KR" altLang="en-US" sz="4400" b="1" dirty="0"/>
+              <a:t>소감</a:t>
+            </a:r>
+          </a:p>
+        </p:txBody>
+      </p:sp>
+    </p:spTree>
+    <p:extLst>
+      <p:ext uri="{BB962C8B-B14F-4D97-AF65-F5344CB8AC3E}">
+        <p14:creationId xmlns:p14="http://schemas.microsoft.com/office/powerpoint/2010/main" val="3238953457"/>
+      </p:ext>
+    </p:extLst>
+  </p:cSld>
+  <p:clrMapOvr>
+    <a:masterClrMapping/>
+  </p:clrMapOvr>
+</p:sld>
+</file>
+
+<file path=ppt/slides/slide12.xml><?xml version="1.0" encoding="utf-8"?>
+<p:sld xmlns:a="http://schemas.openxmlformats.org/drawingml/2006/main" xmlns:r="http://schemas.openxmlformats.org/officeDocument/2006/relationships" xmlns:p="http://schemas.openxmlformats.org/presentationml/2006/main">
   <p:cSld name="Slide 35">
     <p:bg>
       <p:bgPr>
@@ -3704,11 +4090,11 @@
           <a:p>
             <a:r>
               <a:rPr lang="en-US" altLang="ko-KR" sz="2800" b="1" dirty="0"/>
-              <a:t>1. </a:t>
+              <a:t>1. ESG</a:t>
             </a:r>
             <a:r>
               <a:rPr lang="ko-KR" altLang="en-US" sz="2800" b="1" dirty="0"/>
-              <a:t>데이터 수집</a:t>
+              <a:t> 기업 평가 클러스터링</a:t>
             </a:r>
             <a:endParaRPr lang="ko-KR" altLang="en-US" sz="2800" b="1" dirty="0">
               <a:solidFill>
@@ -3748,7 +4134,7 @@
           <a:p>
             <a:r>
               <a:rPr lang="ko-KR" altLang="en-US" sz="4800" b="1" dirty="0"/>
-              <a:t>프로젝트 진행 순서</a:t>
+              <a:t>목표</a:t>
             </a:r>
           </a:p>
         </p:txBody>
@@ -3783,94 +4169,11 @@
           <a:p>
             <a:r>
               <a:rPr lang="en-US" altLang="ko-KR" sz="2800" b="1" dirty="0"/>
-              <a:t>2. </a:t>
+              <a:t>2. S&amp;P</a:t>
             </a:r>
             <a:r>
               <a:rPr lang="ko-KR" altLang="en-US" sz="2800" b="1" dirty="0"/>
-              <a:t>데이터 </a:t>
-            </a:r>
-            <a:r>
-              <a:rPr lang="ko-KR" altLang="en-US" sz="2800" b="1" dirty="0" err="1"/>
-              <a:t>전처리</a:t>
-            </a:r>
-            <a:endParaRPr lang="ko-KR" altLang="en-US" sz="2800" b="1" dirty="0"/>
-          </a:p>
-        </p:txBody>
-      </p:sp>
-      <p:sp>
-        <p:nvSpPr>
-          <p:cNvPr id="2" name="TextBox 1">
-            <a:extLst>
-              <a:ext uri="{FF2B5EF4-FFF2-40B4-BE49-F238E27FC236}">
-                <a16:creationId xmlns:a16="http://schemas.microsoft.com/office/drawing/2014/main" id="{7544D3FC-A8B6-1EEC-6AF7-6A807EC95F40}"/>
-              </a:ext>
-            </a:extLst>
-          </p:cNvPr>
-          <p:cNvSpPr txBox="1"/>
-          <p:nvPr/>
-        </p:nvSpPr>
-        <p:spPr>
-          <a:xfrm>
-            <a:off x="3040291" y="5143500"/>
-            <a:ext cx="5033800" cy="523220"/>
-          </a:xfrm>
-          <a:prstGeom prst="rect">
-            <a:avLst/>
-          </a:prstGeom>
-          <a:noFill/>
-        </p:spPr>
-        <p:txBody>
-          <a:bodyPr wrap="square" rtlCol="0">
-            <a:spAutoFit/>
-          </a:bodyPr>
-          <a:lstStyle/>
-          <a:p>
-            <a:r>
-              <a:rPr lang="en-US" altLang="ko-KR" sz="2800" b="1" dirty="0"/>
-              <a:t>3. </a:t>
-            </a:r>
-            <a:r>
-              <a:rPr lang="ko-KR" altLang="en-US" sz="2800" b="1" dirty="0"/>
-              <a:t>데이터 시각화</a:t>
-            </a:r>
-          </a:p>
-        </p:txBody>
-      </p:sp>
-      <p:sp>
-        <p:nvSpPr>
-          <p:cNvPr id="6" name="TextBox 5">
-            <a:extLst>
-              <a:ext uri="{FF2B5EF4-FFF2-40B4-BE49-F238E27FC236}">
-                <a16:creationId xmlns:a16="http://schemas.microsoft.com/office/drawing/2014/main" id="{EF427987-CAEC-B8D3-A29D-A8EC1C0BD657}"/>
-              </a:ext>
-            </a:extLst>
-          </p:cNvPr>
-          <p:cNvSpPr txBox="1"/>
-          <p:nvPr/>
-        </p:nvSpPr>
-        <p:spPr>
-          <a:xfrm>
-            <a:off x="10352607" y="5012146"/>
-            <a:ext cx="5033800" cy="523220"/>
-          </a:xfrm>
-          <a:prstGeom prst="rect">
-            <a:avLst/>
-          </a:prstGeom>
-          <a:noFill/>
-        </p:spPr>
-        <p:txBody>
-          <a:bodyPr wrap="square" rtlCol="0">
-            <a:spAutoFit/>
-          </a:bodyPr>
-          <a:lstStyle/>
-          <a:p>
-            <a:r>
-              <a:rPr lang="en-US" altLang="ko-KR" sz="2800" b="1" dirty="0"/>
-              <a:t>4. </a:t>
-            </a:r>
-            <a:r>
-              <a:rPr lang="ko-KR" altLang="en-US" sz="2800" b="1" dirty="0"/>
-              <a:t>데이터 분석 및 모델링</a:t>
+              <a:t> 지수 예측</a:t>
             </a:r>
           </a:p>
         </p:txBody>
@@ -3878,7 +4181,7 @@
     </p:spTree>
     <p:extLst>
       <p:ext uri="{BB962C8B-B14F-4D97-AF65-F5344CB8AC3E}">
-        <p14:creationId xmlns:p14="http://schemas.microsoft.com/office/powerpoint/2010/main" val="2682949802"/>
+        <p14:creationId xmlns:p14="http://schemas.microsoft.com/office/powerpoint/2010/main" val="4108104951"/>
       </p:ext>
     </p:extLst>
   </p:cSld>
@@ -3889,1368 +4192,6 @@
 </file>
 
 <file path=ppt/slides/slide3.xml><?xml version="1.0" encoding="utf-8"?>
-<p:sld xmlns:a="http://schemas.openxmlformats.org/drawingml/2006/main" xmlns:r="http://schemas.openxmlformats.org/officeDocument/2006/relationships" xmlns:p="http://schemas.openxmlformats.org/presentationml/2006/main">
-  <p:cSld name="Slide 15">
-    <p:bg>
-      <p:bgPr>
-        <a:solidFill>
-          <a:srgbClr val="EEEEEE"/>
-        </a:solidFill>
-        <a:effectLst/>
-      </p:bgPr>
-    </p:bg>
-    <p:spTree>
-      <p:nvGrpSpPr>
-        <p:cNvPr id="1" name=""/>
-        <p:cNvGrpSpPr/>
-        <p:nvPr/>
-      </p:nvGrpSpPr>
-      <p:grpSpPr>
-        <a:xfrm>
-          <a:off x="0" y="0"/>
-          <a:ext cx="0" cy="0"/>
-          <a:chOff x="0" y="0"/>
-          <a:chExt cx="0" cy="0"/>
-        </a:xfrm>
-      </p:grpSpPr>
-      <p:pic>
-        <p:nvPicPr>
-          <p:cNvPr id="8" name="Object 7"/>
-          <p:cNvPicPr>
-            <a:picLocks noChangeAspect="1"/>
-          </p:cNvPicPr>
-          <p:nvPr/>
-        </p:nvPicPr>
-        <p:blipFill>
-          <a:blip r:embed="rId2" cstate="print"/>
-          <a:stretch>
-            <a:fillRect/>
-          </a:stretch>
-        </p:blipFill>
-        <p:spPr>
-          <a:xfrm>
-            <a:off x="-4218538" y="1071586"/>
-            <a:ext cx="21347485" cy="2001104"/>
-          </a:xfrm>
-          <a:prstGeom prst="rect">
-            <a:avLst/>
-          </a:prstGeom>
-        </p:spPr>
-      </p:pic>
-      <p:grpSp>
-        <p:nvGrpSpPr>
-          <p:cNvPr id="1002" name="그룹 1002"/>
-          <p:cNvGrpSpPr/>
-          <p:nvPr/>
-        </p:nvGrpSpPr>
-        <p:grpSpPr>
-          <a:xfrm>
-            <a:off x="8117705" y="6435973"/>
-            <a:ext cx="2709249" cy="2709249"/>
-            <a:chOff x="8117705" y="6435973"/>
-            <a:chExt cx="2709249" cy="2709249"/>
-          </a:xfrm>
-        </p:grpSpPr>
-        <p:pic>
-          <p:nvPicPr>
-            <p:cNvPr id="10" name="Object 9"/>
-            <p:cNvPicPr>
-              <a:picLocks noChangeAspect="1"/>
-            </p:cNvPicPr>
-            <p:nvPr/>
-          </p:nvPicPr>
-          <p:blipFill>
-            <a:blip r:embed="rId3" cstate="print"/>
-            <a:stretch>
-              <a:fillRect/>
-            </a:stretch>
-          </p:blipFill>
-          <p:spPr>
-            <a:xfrm>
-              <a:off x="8117705" y="6435973"/>
-              <a:ext cx="2709249" cy="2709249"/>
-            </a:xfrm>
-            <a:prstGeom prst="rect">
-              <a:avLst/>
-            </a:prstGeom>
-          </p:spPr>
-        </p:pic>
-      </p:grpSp>
-      <p:grpSp>
-        <p:nvGrpSpPr>
-          <p:cNvPr id="1003" name="그룹 1003"/>
-          <p:cNvGrpSpPr/>
-          <p:nvPr/>
-        </p:nvGrpSpPr>
-        <p:grpSpPr>
-          <a:xfrm>
-            <a:off x="5218393" y="8645346"/>
-            <a:ext cx="3115387" cy="38095"/>
-            <a:chOff x="5218393" y="8645346"/>
-            <a:chExt cx="3115387" cy="38095"/>
-          </a:xfrm>
-        </p:grpSpPr>
-        <p:pic>
-          <p:nvPicPr>
-            <p:cNvPr id="13" name="Object 12"/>
-            <p:cNvPicPr>
-              <a:picLocks noChangeAspect="1"/>
-            </p:cNvPicPr>
-            <p:nvPr/>
-          </p:nvPicPr>
-          <p:blipFill>
-            <a:blip r:embed="rId4" cstate="print"/>
-            <a:stretch>
-              <a:fillRect/>
-            </a:stretch>
-          </p:blipFill>
-          <p:spPr>
-            <a:xfrm rot="-1020000">
-              <a:off x="5218393" y="8645346"/>
-              <a:ext cx="3115387" cy="38095"/>
-            </a:xfrm>
-            <a:prstGeom prst="rect">
-              <a:avLst/>
-            </a:prstGeom>
-          </p:spPr>
-        </p:pic>
-      </p:grpSp>
-      <p:grpSp>
-        <p:nvGrpSpPr>
-          <p:cNvPr id="1004" name="그룹 1004"/>
-          <p:cNvGrpSpPr/>
-          <p:nvPr/>
-        </p:nvGrpSpPr>
-        <p:grpSpPr>
-          <a:xfrm>
-            <a:off x="6483928" y="6857671"/>
-            <a:ext cx="1924124" cy="38095"/>
-            <a:chOff x="6483928" y="6857671"/>
-            <a:chExt cx="1924124" cy="38095"/>
-          </a:xfrm>
-        </p:grpSpPr>
-        <p:pic>
-          <p:nvPicPr>
-            <p:cNvPr id="16" name="Object 15"/>
-            <p:cNvPicPr>
-              <a:picLocks noChangeAspect="1"/>
-            </p:cNvPicPr>
-            <p:nvPr/>
-          </p:nvPicPr>
-          <p:blipFill>
-            <a:blip r:embed="rId5" cstate="print"/>
-            <a:stretch>
-              <a:fillRect/>
-            </a:stretch>
-          </p:blipFill>
-          <p:spPr>
-            <a:xfrm rot="1740000">
-              <a:off x="6483928" y="6857671"/>
-              <a:ext cx="1924124" cy="38095"/>
-            </a:xfrm>
-            <a:prstGeom prst="rect">
-              <a:avLst/>
-            </a:prstGeom>
-          </p:spPr>
-        </p:pic>
-      </p:grpSp>
-      <p:grpSp>
-        <p:nvGrpSpPr>
-          <p:cNvPr id="1005" name="그룹 1005"/>
-          <p:cNvGrpSpPr/>
-          <p:nvPr/>
-        </p:nvGrpSpPr>
-        <p:grpSpPr>
-          <a:xfrm>
-            <a:off x="9930564" y="6271635"/>
-            <a:ext cx="704593" cy="38095"/>
-            <a:chOff x="9930564" y="6271635"/>
-            <a:chExt cx="704593" cy="38095"/>
-          </a:xfrm>
-        </p:grpSpPr>
-        <p:pic>
-          <p:nvPicPr>
-            <p:cNvPr id="19" name="Object 18"/>
-            <p:cNvPicPr>
-              <a:picLocks noChangeAspect="1"/>
-            </p:cNvPicPr>
-            <p:nvPr/>
-          </p:nvPicPr>
-          <p:blipFill>
-            <a:blip r:embed="rId6" cstate="print"/>
-            <a:stretch>
-              <a:fillRect/>
-            </a:stretch>
-          </p:blipFill>
-          <p:spPr>
-            <a:xfrm rot="7260000">
-              <a:off x="9930564" y="6271635"/>
-              <a:ext cx="704593" cy="38095"/>
-            </a:xfrm>
-            <a:prstGeom prst="rect">
-              <a:avLst/>
-            </a:prstGeom>
-          </p:spPr>
-        </p:pic>
-      </p:grpSp>
-      <p:grpSp>
-        <p:nvGrpSpPr>
-          <p:cNvPr id="1006" name="그룹 1006"/>
-          <p:cNvGrpSpPr/>
-          <p:nvPr/>
-        </p:nvGrpSpPr>
-        <p:grpSpPr>
-          <a:xfrm>
-            <a:off x="10462340" y="8250094"/>
-            <a:ext cx="3455797" cy="38095"/>
-            <a:chOff x="10462340" y="8250094"/>
-            <a:chExt cx="3455797" cy="38095"/>
-          </a:xfrm>
-        </p:grpSpPr>
-        <p:pic>
-          <p:nvPicPr>
-            <p:cNvPr id="22" name="Object 21"/>
-            <p:cNvPicPr>
-              <a:picLocks noChangeAspect="1"/>
-            </p:cNvPicPr>
-            <p:nvPr/>
-          </p:nvPicPr>
-          <p:blipFill>
-            <a:blip r:embed="rId7" cstate="print"/>
-            <a:stretch>
-              <a:fillRect/>
-            </a:stretch>
-          </p:blipFill>
-          <p:spPr>
-            <a:xfrm rot="540000">
-              <a:off x="10462340" y="8250094"/>
-              <a:ext cx="3455797" cy="38095"/>
-            </a:xfrm>
-            <a:prstGeom prst="rect">
-              <a:avLst/>
-            </a:prstGeom>
-          </p:spPr>
-        </p:pic>
-      </p:grpSp>
-      <p:grpSp>
-        <p:nvGrpSpPr>
-          <p:cNvPr id="1007" name="그룹 1007"/>
-          <p:cNvGrpSpPr/>
-          <p:nvPr/>
-        </p:nvGrpSpPr>
-        <p:grpSpPr>
-          <a:xfrm>
-            <a:off x="10491034" y="6950976"/>
-            <a:ext cx="2606463" cy="38095"/>
-            <a:chOff x="10491034" y="6950976"/>
-            <a:chExt cx="2606463" cy="38095"/>
-          </a:xfrm>
-        </p:grpSpPr>
-        <p:pic>
-          <p:nvPicPr>
-            <p:cNvPr id="25" name="Object 24"/>
-            <p:cNvPicPr>
-              <a:picLocks noChangeAspect="1"/>
-            </p:cNvPicPr>
-            <p:nvPr/>
-          </p:nvPicPr>
-          <p:blipFill>
-            <a:blip r:embed="rId8" cstate="print"/>
-            <a:stretch>
-              <a:fillRect/>
-            </a:stretch>
-          </p:blipFill>
-          <p:spPr>
-            <a:xfrm rot="-1020000">
-              <a:off x="10491034" y="6950976"/>
-              <a:ext cx="2606463" cy="38095"/>
-            </a:xfrm>
-            <a:prstGeom prst="rect">
-              <a:avLst/>
-            </a:prstGeom>
-          </p:spPr>
-        </p:pic>
-      </p:grpSp>
-      <p:sp>
-        <p:nvSpPr>
-          <p:cNvPr id="2" name="TextBox 1">
-            <a:extLst>
-              <a:ext uri="{FF2B5EF4-FFF2-40B4-BE49-F238E27FC236}">
-                <a16:creationId xmlns:a16="http://schemas.microsoft.com/office/drawing/2014/main" id="{0A81C69F-F331-5BCE-FABB-9B09E978ABE6}"/>
-              </a:ext>
-            </a:extLst>
-          </p:cNvPr>
-          <p:cNvSpPr txBox="1"/>
-          <p:nvPr/>
-        </p:nvSpPr>
-        <p:spPr>
-          <a:xfrm>
-            <a:off x="5867400" y="9130725"/>
-            <a:ext cx="7620000" cy="584775"/>
-          </a:xfrm>
-          <a:prstGeom prst="rect">
-            <a:avLst/>
-          </a:prstGeom>
-          <a:noFill/>
-        </p:spPr>
-        <p:txBody>
-          <a:bodyPr wrap="square" rtlCol="0">
-            <a:spAutoFit/>
-          </a:bodyPr>
-          <a:lstStyle/>
-          <a:p>
-            <a:r>
-              <a:rPr lang="en-US" altLang="ko-KR" sz="3200" b="1" dirty="0"/>
-              <a:t>Esg_merge.csv</a:t>
-            </a:r>
-            <a:r>
-              <a:rPr lang="ko-KR" altLang="en-US" sz="3200" b="1" dirty="0"/>
-              <a:t>에 </a:t>
-            </a:r>
-            <a:r>
-              <a:rPr lang="en-US" altLang="ko-KR" sz="3200" b="1" dirty="0"/>
-              <a:t>ESG </a:t>
-            </a:r>
-            <a:r>
-              <a:rPr lang="ko-KR" altLang="en-US" sz="3200" b="1" dirty="0"/>
-              <a:t>평가 지표 정보 저장</a:t>
-            </a:r>
-          </a:p>
-        </p:txBody>
-      </p:sp>
-      <p:pic>
-        <p:nvPicPr>
-          <p:cNvPr id="9" name="그림 8">
-            <a:extLst>
-              <a:ext uri="{FF2B5EF4-FFF2-40B4-BE49-F238E27FC236}">
-                <a16:creationId xmlns:a16="http://schemas.microsoft.com/office/drawing/2014/main" id="{45E3AC2C-7CC1-43C6-E998-89C21B03A9DC}"/>
-              </a:ext>
-            </a:extLst>
-          </p:cNvPr>
-          <p:cNvPicPr>
-            <a:picLocks noChangeAspect="1"/>
-          </p:cNvPicPr>
-          <p:nvPr/>
-        </p:nvPicPr>
-        <p:blipFill>
-          <a:blip r:embed="rId9"/>
-          <a:stretch>
-            <a:fillRect/>
-          </a:stretch>
-        </p:blipFill>
-        <p:spPr>
-          <a:xfrm>
-            <a:off x="763657" y="3182937"/>
-            <a:ext cx="6228896" cy="3374882"/>
-          </a:xfrm>
-          <a:prstGeom prst="rect">
-            <a:avLst/>
-          </a:prstGeom>
-        </p:spPr>
-      </p:pic>
-      <p:pic>
-        <p:nvPicPr>
-          <p:cNvPr id="12" name="그림 11">
-            <a:extLst>
-              <a:ext uri="{FF2B5EF4-FFF2-40B4-BE49-F238E27FC236}">
-                <a16:creationId xmlns:a16="http://schemas.microsoft.com/office/drawing/2014/main" id="{381FE8C8-2266-8F25-A36F-B0130A46102F}"/>
-              </a:ext>
-            </a:extLst>
-          </p:cNvPr>
-          <p:cNvPicPr>
-            <a:picLocks noChangeAspect="1"/>
-          </p:cNvPicPr>
-          <p:nvPr/>
-        </p:nvPicPr>
-        <p:blipFill>
-          <a:blip r:embed="rId10"/>
-          <a:stretch>
-            <a:fillRect/>
-          </a:stretch>
-        </p:blipFill>
-        <p:spPr>
-          <a:xfrm>
-            <a:off x="7361839" y="2873189"/>
-            <a:ext cx="6784861" cy="3029881"/>
-          </a:xfrm>
-          <a:prstGeom prst="rect">
-            <a:avLst/>
-          </a:prstGeom>
-        </p:spPr>
-      </p:pic>
-      <p:pic>
-        <p:nvPicPr>
-          <p:cNvPr id="15" name="그림 14">
-            <a:extLst>
-              <a:ext uri="{FF2B5EF4-FFF2-40B4-BE49-F238E27FC236}">
-                <a16:creationId xmlns:a16="http://schemas.microsoft.com/office/drawing/2014/main" id="{361A8B15-3F49-78BA-56F8-4EEDF19E86ED}"/>
-              </a:ext>
-            </a:extLst>
-          </p:cNvPr>
-          <p:cNvPicPr>
-            <a:picLocks noChangeAspect="1"/>
-          </p:cNvPicPr>
-          <p:nvPr/>
-        </p:nvPicPr>
-        <p:blipFill>
-          <a:blip r:embed="rId11"/>
-          <a:stretch>
-            <a:fillRect/>
-          </a:stretch>
-        </p:blipFill>
-        <p:spPr>
-          <a:xfrm>
-            <a:off x="572201" y="7867392"/>
-            <a:ext cx="4989221" cy="1848108"/>
-          </a:xfrm>
-          <a:prstGeom prst="rect">
-            <a:avLst/>
-          </a:prstGeom>
-        </p:spPr>
-      </p:pic>
-      <p:pic>
-        <p:nvPicPr>
-          <p:cNvPr id="18" name="그림 17">
-            <a:extLst>
-              <a:ext uri="{FF2B5EF4-FFF2-40B4-BE49-F238E27FC236}">
-                <a16:creationId xmlns:a16="http://schemas.microsoft.com/office/drawing/2014/main" id="{F3768E24-B44A-7658-145E-4B54528A27B6}"/>
-              </a:ext>
-            </a:extLst>
-          </p:cNvPr>
-          <p:cNvPicPr>
-            <a:picLocks noChangeAspect="1"/>
-          </p:cNvPicPr>
-          <p:nvPr/>
-        </p:nvPicPr>
-        <p:blipFill>
-          <a:blip r:embed="rId12"/>
-          <a:stretch>
-            <a:fillRect/>
-          </a:stretch>
-        </p:blipFill>
-        <p:spPr>
-          <a:xfrm>
-            <a:off x="12349342" y="5029617"/>
-            <a:ext cx="4932847" cy="2279809"/>
-          </a:xfrm>
-          <a:prstGeom prst="rect">
-            <a:avLst/>
-          </a:prstGeom>
-        </p:spPr>
-      </p:pic>
-      <p:pic>
-        <p:nvPicPr>
-          <p:cNvPr id="21" name="그림 20">
-            <a:extLst>
-              <a:ext uri="{FF2B5EF4-FFF2-40B4-BE49-F238E27FC236}">
-                <a16:creationId xmlns:a16="http://schemas.microsoft.com/office/drawing/2014/main" id="{8EE5ADBF-24CF-F798-C989-2CA735A76D5B}"/>
-              </a:ext>
-            </a:extLst>
-          </p:cNvPr>
-          <p:cNvPicPr>
-            <a:picLocks noChangeAspect="1"/>
-          </p:cNvPicPr>
-          <p:nvPr/>
-        </p:nvPicPr>
-        <p:blipFill>
-          <a:blip r:embed="rId13"/>
-          <a:stretch>
-            <a:fillRect/>
-          </a:stretch>
-        </p:blipFill>
-        <p:spPr>
-          <a:xfrm>
-            <a:off x="11277600" y="7790597"/>
-            <a:ext cx="7010400" cy="1156271"/>
-          </a:xfrm>
-          <a:prstGeom prst="rect">
-            <a:avLst/>
-          </a:prstGeom>
-        </p:spPr>
-      </p:pic>
-    </p:spTree>
-  </p:cSld>
-  <p:clrMapOvr>
-    <a:masterClrMapping/>
-  </p:clrMapOvr>
-</p:sld>
-</file>
-
-<file path=ppt/slides/slide4.xml><?xml version="1.0" encoding="utf-8"?>
-<p:sld xmlns:a="http://schemas.openxmlformats.org/drawingml/2006/main" xmlns:r="http://schemas.openxmlformats.org/officeDocument/2006/relationships" xmlns:p="http://schemas.openxmlformats.org/presentationml/2006/main">
-  <p:cSld>
-    <p:spTree>
-      <p:nvGrpSpPr>
-        <p:cNvPr id="1" name=""/>
-        <p:cNvGrpSpPr/>
-        <p:nvPr/>
-      </p:nvGrpSpPr>
-      <p:grpSpPr>
-        <a:xfrm>
-          <a:off x="0" y="0"/>
-          <a:ext cx="0" cy="0"/>
-          <a:chOff x="0" y="0"/>
-          <a:chExt cx="0" cy="0"/>
-        </a:xfrm>
-      </p:grpSpPr>
-      <p:grpSp>
-        <p:nvGrpSpPr>
-          <p:cNvPr id="1002" name="그룹 1002"/>
-          <p:cNvGrpSpPr/>
-          <p:nvPr/>
-        </p:nvGrpSpPr>
-        <p:grpSpPr>
-          <a:xfrm>
-            <a:off x="8117705" y="6435973"/>
-            <a:ext cx="2709249" cy="2709249"/>
-            <a:chOff x="8117705" y="6435973"/>
-            <a:chExt cx="2709249" cy="2709249"/>
-          </a:xfrm>
-        </p:grpSpPr>
-        <p:pic>
-          <p:nvPicPr>
-            <p:cNvPr id="10" name="Object 9"/>
-            <p:cNvPicPr>
-              <a:picLocks noChangeAspect="1"/>
-            </p:cNvPicPr>
-            <p:nvPr/>
-          </p:nvPicPr>
-          <p:blipFill>
-            <a:blip r:embed="rId2" cstate="print"/>
-            <a:stretch>
-              <a:fillRect/>
-            </a:stretch>
-          </p:blipFill>
-          <p:spPr>
-            <a:xfrm>
-              <a:off x="8117705" y="6435973"/>
-              <a:ext cx="2709249" cy="2709249"/>
-            </a:xfrm>
-            <a:prstGeom prst="rect">
-              <a:avLst/>
-            </a:prstGeom>
-          </p:spPr>
-        </p:pic>
-      </p:grpSp>
-      <p:grpSp>
-        <p:nvGrpSpPr>
-          <p:cNvPr id="1003" name="그룹 1003"/>
-          <p:cNvGrpSpPr/>
-          <p:nvPr/>
-        </p:nvGrpSpPr>
-        <p:grpSpPr>
-          <a:xfrm>
-            <a:off x="5218393" y="8645346"/>
-            <a:ext cx="3115387" cy="38095"/>
-            <a:chOff x="5218393" y="8645346"/>
-            <a:chExt cx="3115387" cy="38095"/>
-          </a:xfrm>
-        </p:grpSpPr>
-        <p:pic>
-          <p:nvPicPr>
-            <p:cNvPr id="13" name="Object 12"/>
-            <p:cNvPicPr>
-              <a:picLocks noChangeAspect="1"/>
-            </p:cNvPicPr>
-            <p:nvPr/>
-          </p:nvPicPr>
-          <p:blipFill>
-            <a:blip r:embed="rId3" cstate="print"/>
-            <a:stretch>
-              <a:fillRect/>
-            </a:stretch>
-          </p:blipFill>
-          <p:spPr>
-            <a:xfrm rot="-1020000">
-              <a:off x="5218393" y="8645346"/>
-              <a:ext cx="3115387" cy="38095"/>
-            </a:xfrm>
-            <a:prstGeom prst="rect">
-              <a:avLst/>
-            </a:prstGeom>
-          </p:spPr>
-        </p:pic>
-      </p:grpSp>
-      <p:grpSp>
-        <p:nvGrpSpPr>
-          <p:cNvPr id="1004" name="그룹 1004"/>
-          <p:cNvGrpSpPr/>
-          <p:nvPr/>
-        </p:nvGrpSpPr>
-        <p:grpSpPr>
-          <a:xfrm>
-            <a:off x="6483928" y="6857671"/>
-            <a:ext cx="1924124" cy="38095"/>
-            <a:chOff x="6483928" y="6857671"/>
-            <a:chExt cx="1924124" cy="38095"/>
-          </a:xfrm>
-        </p:grpSpPr>
-        <p:pic>
-          <p:nvPicPr>
-            <p:cNvPr id="16" name="Object 15"/>
-            <p:cNvPicPr>
-              <a:picLocks noChangeAspect="1"/>
-            </p:cNvPicPr>
-            <p:nvPr/>
-          </p:nvPicPr>
-          <p:blipFill>
-            <a:blip r:embed="rId4" cstate="print"/>
-            <a:stretch>
-              <a:fillRect/>
-            </a:stretch>
-          </p:blipFill>
-          <p:spPr>
-            <a:xfrm rot="1740000">
-              <a:off x="6483928" y="6857671"/>
-              <a:ext cx="1924124" cy="38095"/>
-            </a:xfrm>
-            <a:prstGeom prst="rect">
-              <a:avLst/>
-            </a:prstGeom>
-          </p:spPr>
-        </p:pic>
-      </p:grpSp>
-      <p:grpSp>
-        <p:nvGrpSpPr>
-          <p:cNvPr id="1005" name="그룹 1005"/>
-          <p:cNvGrpSpPr/>
-          <p:nvPr/>
-        </p:nvGrpSpPr>
-        <p:grpSpPr>
-          <a:xfrm>
-            <a:off x="9930564" y="6271635"/>
-            <a:ext cx="704593" cy="38095"/>
-            <a:chOff x="9930564" y="6271635"/>
-            <a:chExt cx="704593" cy="38095"/>
-          </a:xfrm>
-        </p:grpSpPr>
-        <p:pic>
-          <p:nvPicPr>
-            <p:cNvPr id="19" name="Object 18"/>
-            <p:cNvPicPr>
-              <a:picLocks noChangeAspect="1"/>
-            </p:cNvPicPr>
-            <p:nvPr/>
-          </p:nvPicPr>
-          <p:blipFill>
-            <a:blip r:embed="rId5" cstate="print"/>
-            <a:stretch>
-              <a:fillRect/>
-            </a:stretch>
-          </p:blipFill>
-          <p:spPr>
-            <a:xfrm rot="7260000">
-              <a:off x="9930564" y="6271635"/>
-              <a:ext cx="704593" cy="38095"/>
-            </a:xfrm>
-            <a:prstGeom prst="rect">
-              <a:avLst/>
-            </a:prstGeom>
-          </p:spPr>
-        </p:pic>
-      </p:grpSp>
-      <p:grpSp>
-        <p:nvGrpSpPr>
-          <p:cNvPr id="1006" name="그룹 1006"/>
-          <p:cNvGrpSpPr/>
-          <p:nvPr/>
-        </p:nvGrpSpPr>
-        <p:grpSpPr>
-          <a:xfrm>
-            <a:off x="10462340" y="8250094"/>
-            <a:ext cx="3455797" cy="38095"/>
-            <a:chOff x="10462340" y="8250094"/>
-            <a:chExt cx="3455797" cy="38095"/>
-          </a:xfrm>
-        </p:grpSpPr>
-        <p:pic>
-          <p:nvPicPr>
-            <p:cNvPr id="22" name="Object 21"/>
-            <p:cNvPicPr>
-              <a:picLocks noChangeAspect="1"/>
-            </p:cNvPicPr>
-            <p:nvPr/>
-          </p:nvPicPr>
-          <p:blipFill>
-            <a:blip r:embed="rId6" cstate="print"/>
-            <a:stretch>
-              <a:fillRect/>
-            </a:stretch>
-          </p:blipFill>
-          <p:spPr>
-            <a:xfrm rot="540000">
-              <a:off x="10462340" y="8250094"/>
-              <a:ext cx="3455797" cy="38095"/>
-            </a:xfrm>
-            <a:prstGeom prst="rect">
-              <a:avLst/>
-            </a:prstGeom>
-          </p:spPr>
-        </p:pic>
-      </p:grpSp>
-      <p:sp>
-        <p:nvSpPr>
-          <p:cNvPr id="2" name="TextBox 1">
-            <a:extLst>
-              <a:ext uri="{FF2B5EF4-FFF2-40B4-BE49-F238E27FC236}">
-                <a16:creationId xmlns:a16="http://schemas.microsoft.com/office/drawing/2014/main" id="{0A81C69F-F331-5BCE-FABB-9B09E978ABE6}"/>
-              </a:ext>
-            </a:extLst>
-          </p:cNvPr>
-          <p:cNvSpPr txBox="1"/>
-          <p:nvPr/>
-        </p:nvSpPr>
-        <p:spPr>
-          <a:xfrm>
-            <a:off x="5867400" y="9130725"/>
-            <a:ext cx="7620000" cy="1077218"/>
-          </a:xfrm>
-          <a:prstGeom prst="rect">
-            <a:avLst/>
-          </a:prstGeom>
-          <a:noFill/>
-        </p:spPr>
-        <p:txBody>
-          <a:bodyPr wrap="square" rtlCol="0">
-            <a:spAutoFit/>
-          </a:bodyPr>
-          <a:lstStyle/>
-          <a:p>
-            <a:r>
-              <a:rPr lang="en-US" altLang="ko-KR" sz="3200" b="1" dirty="0"/>
-              <a:t>Esg_after_preprocessing.csv</a:t>
-            </a:r>
-            <a:r>
-              <a:rPr lang="ko-KR" altLang="en-US" sz="3200" b="1" dirty="0"/>
-              <a:t>에 </a:t>
-            </a:r>
-            <a:r>
-              <a:rPr lang="en-US" altLang="ko-KR" sz="3200" b="1" dirty="0"/>
-              <a:t>ESG_merge.csv</a:t>
-            </a:r>
-            <a:r>
-              <a:rPr lang="ko-KR" altLang="en-US" sz="3200" b="1" dirty="0"/>
-              <a:t>의 </a:t>
-            </a:r>
-            <a:r>
-              <a:rPr lang="ko-KR" altLang="en-US" sz="3200" b="1" dirty="0" err="1"/>
-              <a:t>전처리</a:t>
-            </a:r>
-            <a:r>
-              <a:rPr lang="ko-KR" altLang="en-US" sz="3200" b="1" dirty="0"/>
-              <a:t> 데이터 저장</a:t>
-            </a:r>
-          </a:p>
-        </p:txBody>
-      </p:sp>
-      <p:sp>
-        <p:nvSpPr>
-          <p:cNvPr id="4" name="TextBox 3">
-            <a:extLst>
-              <a:ext uri="{FF2B5EF4-FFF2-40B4-BE49-F238E27FC236}">
-                <a16:creationId xmlns:a16="http://schemas.microsoft.com/office/drawing/2014/main" id="{02DF49FC-8EE5-96F7-B0E6-53A6436A3B8F}"/>
-              </a:ext>
-            </a:extLst>
-          </p:cNvPr>
-          <p:cNvSpPr txBox="1"/>
-          <p:nvPr/>
-        </p:nvSpPr>
-        <p:spPr>
-          <a:xfrm>
-            <a:off x="6400800" y="1035903"/>
-            <a:ext cx="11353800" cy="830997"/>
-          </a:xfrm>
-          <a:prstGeom prst="rect">
-            <a:avLst/>
-          </a:prstGeom>
-          <a:noFill/>
-        </p:spPr>
-        <p:txBody>
-          <a:bodyPr wrap="square" rtlCol="0">
-            <a:spAutoFit/>
-          </a:bodyPr>
-          <a:lstStyle/>
-          <a:p>
-            <a:r>
-              <a:rPr lang="ko-KR" altLang="en-US" sz="4800" b="1" dirty="0"/>
-              <a:t>데이터 </a:t>
-            </a:r>
-            <a:r>
-              <a:rPr lang="ko-KR" altLang="en-US" sz="4800" b="1" dirty="0" err="1"/>
-              <a:t>전처리</a:t>
-            </a:r>
-            <a:endParaRPr lang="ko-KR" altLang="en-US" sz="4800" b="1" dirty="0"/>
-          </a:p>
-        </p:txBody>
-      </p:sp>
-      <p:pic>
-        <p:nvPicPr>
-          <p:cNvPr id="6" name="그림 5">
-            <a:extLst>
-              <a:ext uri="{FF2B5EF4-FFF2-40B4-BE49-F238E27FC236}">
-                <a16:creationId xmlns:a16="http://schemas.microsoft.com/office/drawing/2014/main" id="{7EB8F80D-47F7-40B3-6DB4-7109FF6AF11B}"/>
-              </a:ext>
-            </a:extLst>
-          </p:cNvPr>
-          <p:cNvPicPr>
-            <a:picLocks noChangeAspect="1"/>
-          </p:cNvPicPr>
-          <p:nvPr/>
-        </p:nvPicPr>
-        <p:blipFill>
-          <a:blip r:embed="rId7"/>
-          <a:stretch>
-            <a:fillRect/>
-          </a:stretch>
-        </p:blipFill>
-        <p:spPr>
-          <a:xfrm>
-            <a:off x="2357955" y="2806873"/>
-            <a:ext cx="4341341" cy="3943858"/>
-          </a:xfrm>
-          <a:prstGeom prst="rect">
-            <a:avLst/>
-          </a:prstGeom>
-        </p:spPr>
-      </p:pic>
-      <p:pic>
-        <p:nvPicPr>
-          <p:cNvPr id="11" name="그림 10">
-            <a:extLst>
-              <a:ext uri="{FF2B5EF4-FFF2-40B4-BE49-F238E27FC236}">
-                <a16:creationId xmlns:a16="http://schemas.microsoft.com/office/drawing/2014/main" id="{6FCBB478-52E3-4673-D194-9E29632690A2}"/>
-              </a:ext>
-            </a:extLst>
-          </p:cNvPr>
-          <p:cNvPicPr>
-            <a:picLocks noChangeAspect="1"/>
-          </p:cNvPicPr>
-          <p:nvPr/>
-        </p:nvPicPr>
-        <p:blipFill>
-          <a:blip r:embed="rId8"/>
-          <a:stretch>
-            <a:fillRect/>
-          </a:stretch>
-        </p:blipFill>
-        <p:spPr>
-          <a:xfrm>
-            <a:off x="7792463" y="4523329"/>
-            <a:ext cx="7592485" cy="1438476"/>
-          </a:xfrm>
-          <a:prstGeom prst="rect">
-            <a:avLst/>
-          </a:prstGeom>
-        </p:spPr>
-      </p:pic>
-      <p:pic>
-        <p:nvPicPr>
-          <p:cNvPr id="17" name="그림 16">
-            <a:extLst>
-              <a:ext uri="{FF2B5EF4-FFF2-40B4-BE49-F238E27FC236}">
-                <a16:creationId xmlns:a16="http://schemas.microsoft.com/office/drawing/2014/main" id="{41249682-D993-6765-62BE-731C8E7808BF}"/>
-              </a:ext>
-            </a:extLst>
-          </p:cNvPr>
-          <p:cNvPicPr>
-            <a:picLocks noChangeAspect="1"/>
-          </p:cNvPicPr>
-          <p:nvPr/>
-        </p:nvPicPr>
-        <p:blipFill>
-          <a:blip r:embed="rId9"/>
-          <a:stretch>
-            <a:fillRect/>
-          </a:stretch>
-        </p:blipFill>
-        <p:spPr>
-          <a:xfrm>
-            <a:off x="1123567" y="7359795"/>
-            <a:ext cx="4438470" cy="2793322"/>
-          </a:xfrm>
-          <a:prstGeom prst="rect">
-            <a:avLst/>
-          </a:prstGeom>
-        </p:spPr>
-      </p:pic>
-      <p:pic>
-        <p:nvPicPr>
-          <p:cNvPr id="23" name="그림 22">
-            <a:extLst>
-              <a:ext uri="{FF2B5EF4-FFF2-40B4-BE49-F238E27FC236}">
-                <a16:creationId xmlns:a16="http://schemas.microsoft.com/office/drawing/2014/main" id="{CDE848D3-777B-9174-16A0-DCB36AA42D9D}"/>
-              </a:ext>
-            </a:extLst>
-          </p:cNvPr>
-          <p:cNvPicPr>
-            <a:picLocks noChangeAspect="1"/>
-          </p:cNvPicPr>
-          <p:nvPr/>
-        </p:nvPicPr>
-        <p:blipFill>
-          <a:blip r:embed="rId10"/>
-          <a:stretch>
-            <a:fillRect/>
-          </a:stretch>
-        </p:blipFill>
-        <p:spPr>
-          <a:xfrm>
-            <a:off x="13014294" y="6258785"/>
-            <a:ext cx="3248478" cy="3400900"/>
-          </a:xfrm>
-          <a:prstGeom prst="rect">
-            <a:avLst/>
-          </a:prstGeom>
-        </p:spPr>
-      </p:pic>
-    </p:spTree>
-    <p:extLst>
-      <p:ext uri="{BB962C8B-B14F-4D97-AF65-F5344CB8AC3E}">
-        <p14:creationId xmlns:p14="http://schemas.microsoft.com/office/powerpoint/2010/main" val="2094238710"/>
-      </p:ext>
-    </p:extLst>
-  </p:cSld>
-  <p:clrMapOvr>
-    <a:masterClrMapping/>
-  </p:clrMapOvr>
-</p:sld>
-</file>
-
-<file path=ppt/slides/slide5.xml><?xml version="1.0" encoding="utf-8"?>
-<p:sld xmlns:a="http://schemas.openxmlformats.org/drawingml/2006/main" xmlns:r="http://schemas.openxmlformats.org/officeDocument/2006/relationships" xmlns:p="http://schemas.openxmlformats.org/presentationml/2006/main">
-  <p:cSld>
-    <p:spTree>
-      <p:nvGrpSpPr>
-        <p:cNvPr id="1" name=""/>
-        <p:cNvGrpSpPr/>
-        <p:nvPr/>
-      </p:nvGrpSpPr>
-      <p:grpSpPr>
-        <a:xfrm>
-          <a:off x="0" y="0"/>
-          <a:ext cx="0" cy="0"/>
-          <a:chOff x="0" y="0"/>
-          <a:chExt cx="0" cy="0"/>
-        </a:xfrm>
-      </p:grpSpPr>
-      <p:grpSp>
-        <p:nvGrpSpPr>
-          <p:cNvPr id="1002" name="그룹 1002"/>
-          <p:cNvGrpSpPr/>
-          <p:nvPr/>
-        </p:nvGrpSpPr>
-        <p:grpSpPr>
-          <a:xfrm>
-            <a:off x="8117705" y="6435973"/>
-            <a:ext cx="2709249" cy="2709249"/>
-            <a:chOff x="8117705" y="6435973"/>
-            <a:chExt cx="2709249" cy="2709249"/>
-          </a:xfrm>
-        </p:grpSpPr>
-        <p:pic>
-          <p:nvPicPr>
-            <p:cNvPr id="10" name="Object 9"/>
-            <p:cNvPicPr>
-              <a:picLocks noChangeAspect="1"/>
-            </p:cNvPicPr>
-            <p:nvPr/>
-          </p:nvPicPr>
-          <p:blipFill>
-            <a:blip r:embed="rId2" cstate="print"/>
-            <a:stretch>
-              <a:fillRect/>
-            </a:stretch>
-          </p:blipFill>
-          <p:spPr>
-            <a:xfrm>
-              <a:off x="8117705" y="6435973"/>
-              <a:ext cx="2709249" cy="2709249"/>
-            </a:xfrm>
-            <a:prstGeom prst="rect">
-              <a:avLst/>
-            </a:prstGeom>
-          </p:spPr>
-        </p:pic>
-      </p:grpSp>
-      <p:grpSp>
-        <p:nvGrpSpPr>
-          <p:cNvPr id="1003" name="그룹 1003"/>
-          <p:cNvGrpSpPr/>
-          <p:nvPr/>
-        </p:nvGrpSpPr>
-        <p:grpSpPr>
-          <a:xfrm>
-            <a:off x="5218393" y="8645346"/>
-            <a:ext cx="3115387" cy="38095"/>
-            <a:chOff x="5218393" y="8645346"/>
-            <a:chExt cx="3115387" cy="38095"/>
-          </a:xfrm>
-        </p:grpSpPr>
-        <p:pic>
-          <p:nvPicPr>
-            <p:cNvPr id="13" name="Object 12"/>
-            <p:cNvPicPr>
-              <a:picLocks noChangeAspect="1"/>
-            </p:cNvPicPr>
-            <p:nvPr/>
-          </p:nvPicPr>
-          <p:blipFill>
-            <a:blip r:embed="rId3" cstate="print"/>
-            <a:stretch>
-              <a:fillRect/>
-            </a:stretch>
-          </p:blipFill>
-          <p:spPr>
-            <a:xfrm rot="-1020000">
-              <a:off x="5218393" y="8645346"/>
-              <a:ext cx="3115387" cy="38095"/>
-            </a:xfrm>
-            <a:prstGeom prst="rect">
-              <a:avLst/>
-            </a:prstGeom>
-          </p:spPr>
-        </p:pic>
-      </p:grpSp>
-      <p:grpSp>
-        <p:nvGrpSpPr>
-          <p:cNvPr id="1004" name="그룹 1004"/>
-          <p:cNvGrpSpPr/>
-          <p:nvPr/>
-        </p:nvGrpSpPr>
-        <p:grpSpPr>
-          <a:xfrm>
-            <a:off x="6483928" y="6857671"/>
-            <a:ext cx="1924124" cy="38095"/>
-            <a:chOff x="6483928" y="6857671"/>
-            <a:chExt cx="1924124" cy="38095"/>
-          </a:xfrm>
-        </p:grpSpPr>
-        <p:pic>
-          <p:nvPicPr>
-            <p:cNvPr id="16" name="Object 15"/>
-            <p:cNvPicPr>
-              <a:picLocks noChangeAspect="1"/>
-            </p:cNvPicPr>
-            <p:nvPr/>
-          </p:nvPicPr>
-          <p:blipFill>
-            <a:blip r:embed="rId4" cstate="print"/>
-            <a:stretch>
-              <a:fillRect/>
-            </a:stretch>
-          </p:blipFill>
-          <p:spPr>
-            <a:xfrm rot="1740000">
-              <a:off x="6483928" y="6857671"/>
-              <a:ext cx="1924124" cy="38095"/>
-            </a:xfrm>
-            <a:prstGeom prst="rect">
-              <a:avLst/>
-            </a:prstGeom>
-          </p:spPr>
-        </p:pic>
-      </p:grpSp>
-      <p:grpSp>
-        <p:nvGrpSpPr>
-          <p:cNvPr id="1005" name="그룹 1005"/>
-          <p:cNvGrpSpPr/>
-          <p:nvPr/>
-        </p:nvGrpSpPr>
-        <p:grpSpPr>
-          <a:xfrm>
-            <a:off x="9930564" y="6271635"/>
-            <a:ext cx="704593" cy="38095"/>
-            <a:chOff x="9930564" y="6271635"/>
-            <a:chExt cx="704593" cy="38095"/>
-          </a:xfrm>
-        </p:grpSpPr>
-        <p:pic>
-          <p:nvPicPr>
-            <p:cNvPr id="19" name="Object 18"/>
-            <p:cNvPicPr>
-              <a:picLocks noChangeAspect="1"/>
-            </p:cNvPicPr>
-            <p:nvPr/>
-          </p:nvPicPr>
-          <p:blipFill>
-            <a:blip r:embed="rId5" cstate="print"/>
-            <a:stretch>
-              <a:fillRect/>
-            </a:stretch>
-          </p:blipFill>
-          <p:spPr>
-            <a:xfrm rot="7260000">
-              <a:off x="9930564" y="6271635"/>
-              <a:ext cx="704593" cy="38095"/>
-            </a:xfrm>
-            <a:prstGeom prst="rect">
-              <a:avLst/>
-            </a:prstGeom>
-          </p:spPr>
-        </p:pic>
-      </p:grpSp>
-      <p:grpSp>
-        <p:nvGrpSpPr>
-          <p:cNvPr id="1006" name="그룹 1006"/>
-          <p:cNvGrpSpPr/>
-          <p:nvPr/>
-        </p:nvGrpSpPr>
-        <p:grpSpPr>
-          <a:xfrm>
-            <a:off x="10462340" y="8250094"/>
-            <a:ext cx="3455797" cy="38095"/>
-            <a:chOff x="10462340" y="8250094"/>
-            <a:chExt cx="3455797" cy="38095"/>
-          </a:xfrm>
-        </p:grpSpPr>
-        <p:pic>
-          <p:nvPicPr>
-            <p:cNvPr id="22" name="Object 21"/>
-            <p:cNvPicPr>
-              <a:picLocks noChangeAspect="1"/>
-            </p:cNvPicPr>
-            <p:nvPr/>
-          </p:nvPicPr>
-          <p:blipFill>
-            <a:blip r:embed="rId6" cstate="print"/>
-            <a:stretch>
-              <a:fillRect/>
-            </a:stretch>
-          </p:blipFill>
-          <p:spPr>
-            <a:xfrm rot="540000">
-              <a:off x="10462340" y="8250094"/>
-              <a:ext cx="3455797" cy="38095"/>
-            </a:xfrm>
-            <a:prstGeom prst="rect">
-              <a:avLst/>
-            </a:prstGeom>
-          </p:spPr>
-        </p:pic>
-      </p:grpSp>
-      <p:sp>
-        <p:nvSpPr>
-          <p:cNvPr id="2" name="TextBox 1">
-            <a:extLst>
-              <a:ext uri="{FF2B5EF4-FFF2-40B4-BE49-F238E27FC236}">
-                <a16:creationId xmlns:a16="http://schemas.microsoft.com/office/drawing/2014/main" id="{0A81C69F-F331-5BCE-FABB-9B09E978ABE6}"/>
-              </a:ext>
-            </a:extLst>
-          </p:cNvPr>
-          <p:cNvSpPr txBox="1"/>
-          <p:nvPr/>
-        </p:nvSpPr>
-        <p:spPr>
-          <a:xfrm>
-            <a:off x="5867400" y="9130725"/>
-            <a:ext cx="7620000" cy="1077218"/>
-          </a:xfrm>
-          <a:prstGeom prst="rect">
-            <a:avLst/>
-          </a:prstGeom>
-          <a:noFill/>
-        </p:spPr>
-        <p:txBody>
-          <a:bodyPr wrap="square" rtlCol="0">
-            <a:spAutoFit/>
-          </a:bodyPr>
-          <a:lstStyle/>
-          <a:p>
-            <a:r>
-              <a:rPr lang="en-US" altLang="ko-KR" sz="3200" b="1" dirty="0"/>
-              <a:t>Esg_after_preprocessing.csv</a:t>
-            </a:r>
-            <a:r>
-              <a:rPr lang="ko-KR" altLang="en-US" sz="3200" b="1" dirty="0"/>
-              <a:t>에 </a:t>
-            </a:r>
-            <a:r>
-              <a:rPr lang="en-US" altLang="ko-KR" sz="3200" b="1" dirty="0"/>
-              <a:t>ESG_merge.csv</a:t>
-            </a:r>
-            <a:r>
-              <a:rPr lang="ko-KR" altLang="en-US" sz="3200" b="1" dirty="0"/>
-              <a:t>의 </a:t>
-            </a:r>
-            <a:r>
-              <a:rPr lang="ko-KR" altLang="en-US" sz="3200" b="1" dirty="0" err="1"/>
-              <a:t>전처리</a:t>
-            </a:r>
-            <a:r>
-              <a:rPr lang="ko-KR" altLang="en-US" sz="3200" b="1" dirty="0"/>
-              <a:t> 데이터 저장</a:t>
-            </a:r>
-          </a:p>
-        </p:txBody>
-      </p:sp>
-      <p:sp>
-        <p:nvSpPr>
-          <p:cNvPr id="4" name="TextBox 3">
-            <a:extLst>
-              <a:ext uri="{FF2B5EF4-FFF2-40B4-BE49-F238E27FC236}">
-                <a16:creationId xmlns:a16="http://schemas.microsoft.com/office/drawing/2014/main" id="{02DF49FC-8EE5-96F7-B0E6-53A6436A3B8F}"/>
-              </a:ext>
-            </a:extLst>
-          </p:cNvPr>
-          <p:cNvSpPr txBox="1"/>
-          <p:nvPr/>
-        </p:nvSpPr>
-        <p:spPr>
-          <a:xfrm>
-            <a:off x="6477000" y="1028700"/>
-            <a:ext cx="11353800" cy="830997"/>
-          </a:xfrm>
-          <a:prstGeom prst="rect">
-            <a:avLst/>
-          </a:prstGeom>
-          <a:noFill/>
-        </p:spPr>
-        <p:txBody>
-          <a:bodyPr wrap="square" rtlCol="0">
-            <a:spAutoFit/>
-          </a:bodyPr>
-          <a:lstStyle/>
-          <a:p>
-            <a:r>
-              <a:rPr lang="ko-KR" altLang="en-US" sz="4800" b="1" dirty="0"/>
-              <a:t>데이터 시각화</a:t>
-            </a:r>
-          </a:p>
-        </p:txBody>
-      </p:sp>
-      <p:pic>
-        <p:nvPicPr>
-          <p:cNvPr id="5" name="그림 4">
-            <a:extLst>
-              <a:ext uri="{FF2B5EF4-FFF2-40B4-BE49-F238E27FC236}">
-                <a16:creationId xmlns:a16="http://schemas.microsoft.com/office/drawing/2014/main" id="{75A74F83-EA08-CE9B-8483-FF7B895C8F82}"/>
-              </a:ext>
-            </a:extLst>
-          </p:cNvPr>
-          <p:cNvPicPr>
-            <a:picLocks noChangeAspect="1"/>
-          </p:cNvPicPr>
-          <p:nvPr/>
-        </p:nvPicPr>
-        <p:blipFill rotWithShape="1">
-          <a:blip r:embed="rId7"/>
-          <a:srcRect r="13026"/>
-          <a:stretch/>
-        </p:blipFill>
-        <p:spPr>
-          <a:xfrm>
-            <a:off x="557481" y="2277580"/>
-            <a:ext cx="6452919" cy="4324890"/>
-          </a:xfrm>
-          <a:prstGeom prst="rect">
-            <a:avLst/>
-          </a:prstGeom>
-        </p:spPr>
-      </p:pic>
-      <p:pic>
-        <p:nvPicPr>
-          <p:cNvPr id="8" name="그림 7">
-            <a:extLst>
-              <a:ext uri="{FF2B5EF4-FFF2-40B4-BE49-F238E27FC236}">
-                <a16:creationId xmlns:a16="http://schemas.microsoft.com/office/drawing/2014/main" id="{591BD6FD-20AD-BDF2-969C-1E2A16621C42}"/>
-              </a:ext>
-            </a:extLst>
-          </p:cNvPr>
-          <p:cNvPicPr>
-            <a:picLocks noChangeAspect="1"/>
-          </p:cNvPicPr>
-          <p:nvPr/>
-        </p:nvPicPr>
-        <p:blipFill>
-          <a:blip r:embed="rId8"/>
-          <a:stretch>
-            <a:fillRect/>
-          </a:stretch>
-        </p:blipFill>
-        <p:spPr>
-          <a:xfrm>
-            <a:off x="9364177" y="3269645"/>
-            <a:ext cx="5579445" cy="2709250"/>
-          </a:xfrm>
-          <a:prstGeom prst="rect">
-            <a:avLst/>
-          </a:prstGeom>
-        </p:spPr>
-      </p:pic>
-      <p:pic>
-        <p:nvPicPr>
-          <p:cNvPr id="12" name="그림 11">
-            <a:extLst>
-              <a:ext uri="{FF2B5EF4-FFF2-40B4-BE49-F238E27FC236}">
-                <a16:creationId xmlns:a16="http://schemas.microsoft.com/office/drawing/2014/main" id="{5C9251E7-5A2D-65A1-BDE1-49962BF34654}"/>
-              </a:ext>
-            </a:extLst>
-          </p:cNvPr>
-          <p:cNvPicPr>
-            <a:picLocks noChangeAspect="1"/>
-          </p:cNvPicPr>
-          <p:nvPr/>
-        </p:nvPicPr>
-        <p:blipFill>
-          <a:blip r:embed="rId9"/>
-          <a:stretch>
-            <a:fillRect/>
-          </a:stretch>
-        </p:blipFill>
-        <p:spPr>
-          <a:xfrm>
-            <a:off x="1377326" y="6852905"/>
-            <a:ext cx="4114959" cy="3285002"/>
-          </a:xfrm>
-          <a:prstGeom prst="rect">
-            <a:avLst/>
-          </a:prstGeom>
-        </p:spPr>
-      </p:pic>
-      <p:pic>
-        <p:nvPicPr>
-          <p:cNvPr id="15" name="그림 14">
-            <a:extLst>
-              <a:ext uri="{FF2B5EF4-FFF2-40B4-BE49-F238E27FC236}">
-                <a16:creationId xmlns:a16="http://schemas.microsoft.com/office/drawing/2014/main" id="{9C34EF6C-8471-99CA-44AE-B437BD539156}"/>
-              </a:ext>
-            </a:extLst>
-          </p:cNvPr>
-          <p:cNvPicPr>
-            <a:picLocks noChangeAspect="1"/>
-          </p:cNvPicPr>
-          <p:nvPr/>
-        </p:nvPicPr>
-        <p:blipFill>
-          <a:blip r:embed="rId10"/>
-          <a:stretch>
-            <a:fillRect/>
-          </a:stretch>
-        </p:blipFill>
-        <p:spPr>
-          <a:xfrm>
-            <a:off x="12697817" y="6191283"/>
-            <a:ext cx="4311845" cy="3449476"/>
-          </a:xfrm>
-          <a:prstGeom prst="rect">
-            <a:avLst/>
-          </a:prstGeom>
-        </p:spPr>
-      </p:pic>
-    </p:spTree>
-    <p:extLst>
-      <p:ext uri="{BB962C8B-B14F-4D97-AF65-F5344CB8AC3E}">
-        <p14:creationId xmlns:p14="http://schemas.microsoft.com/office/powerpoint/2010/main" val="1985701088"/>
-      </p:ext>
-    </p:extLst>
-  </p:cSld>
-  <p:clrMapOvr>
-    <a:masterClrMapping/>
-  </p:clrMapOvr>
-</p:sld>
-</file>
-
-<file path=ppt/slides/slide6.xml><?xml version="1.0" encoding="utf-8"?>
 <p:sld xmlns:a="http://schemas.openxmlformats.org/drawingml/2006/main" xmlns:r="http://schemas.openxmlformats.org/officeDocument/2006/relationships" xmlns:p="http://schemas.openxmlformats.org/presentationml/2006/main">
   <p:cSld>
     <p:spTree>
@@ -5393,6 +4334,2160 @@
           </p:spPr>
         </p:pic>
       </p:grpSp>
+      <p:sp>
+        <p:nvSpPr>
+          <p:cNvPr id="5" name="TextBox 4">
+            <a:extLst>
+              <a:ext uri="{FF2B5EF4-FFF2-40B4-BE49-F238E27FC236}">
+                <a16:creationId xmlns:a16="http://schemas.microsoft.com/office/drawing/2014/main" id="{A834BDEA-7583-BC43-8DE8-345C8B451AE2}"/>
+              </a:ext>
+            </a:extLst>
+          </p:cNvPr>
+          <p:cNvSpPr txBox="1"/>
+          <p:nvPr/>
+        </p:nvSpPr>
+        <p:spPr>
+          <a:xfrm>
+            <a:off x="3078391" y="4094833"/>
+            <a:ext cx="5033800" cy="523220"/>
+          </a:xfrm>
+          <a:prstGeom prst="rect">
+            <a:avLst/>
+          </a:prstGeom>
+          <a:noFill/>
+        </p:spPr>
+        <p:txBody>
+          <a:bodyPr wrap="square" rtlCol="0">
+            <a:spAutoFit/>
+          </a:bodyPr>
+          <a:lstStyle/>
+          <a:p>
+            <a:r>
+              <a:rPr lang="en-US" altLang="ko-KR" sz="2800" b="1" dirty="0"/>
+              <a:t>1. </a:t>
+            </a:r>
+            <a:r>
+              <a:rPr lang="ko-KR" altLang="en-US" sz="2800" b="1" dirty="0"/>
+              <a:t>데이터 수집</a:t>
+            </a:r>
+            <a:endParaRPr lang="ko-KR" altLang="en-US" sz="2800" b="1" dirty="0">
+              <a:solidFill>
+                <a:srgbClr val="FF0000"/>
+              </a:solidFill>
+            </a:endParaRPr>
+          </a:p>
+        </p:txBody>
+      </p:sp>
+      <p:sp>
+        <p:nvSpPr>
+          <p:cNvPr id="8" name="TextBox 7">
+            <a:extLst>
+              <a:ext uri="{FF2B5EF4-FFF2-40B4-BE49-F238E27FC236}">
+                <a16:creationId xmlns:a16="http://schemas.microsoft.com/office/drawing/2014/main" id="{CA16B6B9-BD09-2CEF-63F4-68397BA51A98}"/>
+              </a:ext>
+            </a:extLst>
+          </p:cNvPr>
+          <p:cNvSpPr txBox="1"/>
+          <p:nvPr/>
+        </p:nvSpPr>
+        <p:spPr>
+          <a:xfrm>
+            <a:off x="7162800" y="1569303"/>
+            <a:ext cx="11811000" cy="830997"/>
+          </a:xfrm>
+          <a:prstGeom prst="rect">
+            <a:avLst/>
+          </a:prstGeom>
+          <a:noFill/>
+        </p:spPr>
+        <p:txBody>
+          <a:bodyPr wrap="square" rtlCol="0">
+            <a:spAutoFit/>
+          </a:bodyPr>
+          <a:lstStyle/>
+          <a:p>
+            <a:r>
+              <a:rPr lang="ko-KR" altLang="en-US" sz="4800" b="1" dirty="0"/>
+              <a:t>프로젝트 진행 순서</a:t>
+            </a:r>
+          </a:p>
+        </p:txBody>
+      </p:sp>
+      <p:sp>
+        <p:nvSpPr>
+          <p:cNvPr id="14" name="TextBox 13">
+            <a:extLst>
+              <a:ext uri="{FF2B5EF4-FFF2-40B4-BE49-F238E27FC236}">
+                <a16:creationId xmlns:a16="http://schemas.microsoft.com/office/drawing/2014/main" id="{73273AE3-2B70-25CA-E9FE-56D43C629B36}"/>
+              </a:ext>
+            </a:extLst>
+          </p:cNvPr>
+          <p:cNvSpPr txBox="1"/>
+          <p:nvPr/>
+        </p:nvSpPr>
+        <p:spPr>
+          <a:xfrm>
+            <a:off x="10333924" y="3975804"/>
+            <a:ext cx="5033800" cy="523220"/>
+          </a:xfrm>
+          <a:prstGeom prst="rect">
+            <a:avLst/>
+          </a:prstGeom>
+          <a:noFill/>
+        </p:spPr>
+        <p:txBody>
+          <a:bodyPr wrap="square" rtlCol="0">
+            <a:spAutoFit/>
+          </a:bodyPr>
+          <a:lstStyle/>
+          <a:p>
+            <a:r>
+              <a:rPr lang="en-US" altLang="ko-KR" sz="2800" b="1" dirty="0"/>
+              <a:t>2. </a:t>
+            </a:r>
+            <a:r>
+              <a:rPr lang="ko-KR" altLang="en-US" sz="2800" b="1" dirty="0"/>
+              <a:t>데이터 </a:t>
+            </a:r>
+            <a:r>
+              <a:rPr lang="ko-KR" altLang="en-US" sz="2800" b="1" dirty="0" err="1"/>
+              <a:t>전처리</a:t>
+            </a:r>
+            <a:endParaRPr lang="ko-KR" altLang="en-US" sz="2800" b="1" dirty="0"/>
+          </a:p>
+        </p:txBody>
+      </p:sp>
+      <p:sp>
+        <p:nvSpPr>
+          <p:cNvPr id="2" name="TextBox 1">
+            <a:extLst>
+              <a:ext uri="{FF2B5EF4-FFF2-40B4-BE49-F238E27FC236}">
+                <a16:creationId xmlns:a16="http://schemas.microsoft.com/office/drawing/2014/main" id="{7544D3FC-A8B6-1EEC-6AF7-6A807EC95F40}"/>
+              </a:ext>
+            </a:extLst>
+          </p:cNvPr>
+          <p:cNvSpPr txBox="1"/>
+          <p:nvPr/>
+        </p:nvSpPr>
+        <p:spPr>
+          <a:xfrm>
+            <a:off x="3040291" y="5143500"/>
+            <a:ext cx="5033800" cy="523220"/>
+          </a:xfrm>
+          <a:prstGeom prst="rect">
+            <a:avLst/>
+          </a:prstGeom>
+          <a:noFill/>
+        </p:spPr>
+        <p:txBody>
+          <a:bodyPr wrap="square" rtlCol="0">
+            <a:spAutoFit/>
+          </a:bodyPr>
+          <a:lstStyle/>
+          <a:p>
+            <a:r>
+              <a:rPr lang="en-US" altLang="ko-KR" sz="2800" b="1" dirty="0"/>
+              <a:t>3. </a:t>
+            </a:r>
+            <a:r>
+              <a:rPr lang="ko-KR" altLang="en-US" sz="2800" b="1" dirty="0"/>
+              <a:t>데이터 시각화</a:t>
+            </a:r>
+          </a:p>
+        </p:txBody>
+      </p:sp>
+      <p:sp>
+        <p:nvSpPr>
+          <p:cNvPr id="6" name="TextBox 5">
+            <a:extLst>
+              <a:ext uri="{FF2B5EF4-FFF2-40B4-BE49-F238E27FC236}">
+                <a16:creationId xmlns:a16="http://schemas.microsoft.com/office/drawing/2014/main" id="{EF427987-CAEC-B8D3-A29D-A8EC1C0BD657}"/>
+              </a:ext>
+            </a:extLst>
+          </p:cNvPr>
+          <p:cNvSpPr txBox="1"/>
+          <p:nvPr/>
+        </p:nvSpPr>
+        <p:spPr>
+          <a:xfrm>
+            <a:off x="10352607" y="5012146"/>
+            <a:ext cx="5033800" cy="523220"/>
+          </a:xfrm>
+          <a:prstGeom prst="rect">
+            <a:avLst/>
+          </a:prstGeom>
+          <a:noFill/>
+        </p:spPr>
+        <p:txBody>
+          <a:bodyPr wrap="square" rtlCol="0">
+            <a:spAutoFit/>
+          </a:bodyPr>
+          <a:lstStyle/>
+          <a:p>
+            <a:r>
+              <a:rPr lang="en-US" altLang="ko-KR" sz="2800" b="1" dirty="0"/>
+              <a:t>4. </a:t>
+            </a:r>
+            <a:r>
+              <a:rPr lang="ko-KR" altLang="en-US" sz="2800" b="1" dirty="0"/>
+              <a:t>데이터 분석 및 모델링</a:t>
+            </a:r>
+          </a:p>
+        </p:txBody>
+      </p:sp>
+    </p:spTree>
+    <p:extLst>
+      <p:ext uri="{BB962C8B-B14F-4D97-AF65-F5344CB8AC3E}">
+        <p14:creationId xmlns:p14="http://schemas.microsoft.com/office/powerpoint/2010/main" val="2682949802"/>
+      </p:ext>
+    </p:extLst>
+  </p:cSld>
+  <p:clrMapOvr>
+    <a:masterClrMapping/>
+  </p:clrMapOvr>
+</p:sld>
+</file>
+
+<file path=ppt/slides/slide4.xml><?xml version="1.0" encoding="utf-8"?>
+<p:sld xmlns:a="http://schemas.openxmlformats.org/drawingml/2006/main" xmlns:r="http://schemas.openxmlformats.org/officeDocument/2006/relationships" xmlns:p="http://schemas.openxmlformats.org/presentationml/2006/main">
+  <p:cSld name="Slide 15">
+    <p:bg>
+      <p:bgPr>
+        <a:solidFill>
+          <a:srgbClr val="EEEEEE"/>
+        </a:solidFill>
+        <a:effectLst/>
+      </p:bgPr>
+    </p:bg>
+    <p:spTree>
+      <p:nvGrpSpPr>
+        <p:cNvPr id="1" name=""/>
+        <p:cNvGrpSpPr/>
+        <p:nvPr/>
+      </p:nvGrpSpPr>
+      <p:grpSpPr>
+        <a:xfrm>
+          <a:off x="0" y="0"/>
+          <a:ext cx="0" cy="0"/>
+          <a:chOff x="0" y="0"/>
+          <a:chExt cx="0" cy="0"/>
+        </a:xfrm>
+      </p:grpSpPr>
+      <p:pic>
+        <p:nvPicPr>
+          <p:cNvPr id="8" name="Object 7"/>
+          <p:cNvPicPr>
+            <a:picLocks noChangeAspect="1"/>
+          </p:cNvPicPr>
+          <p:nvPr/>
+        </p:nvPicPr>
+        <p:blipFill>
+          <a:blip r:embed="rId2" cstate="print"/>
+          <a:stretch>
+            <a:fillRect/>
+          </a:stretch>
+        </p:blipFill>
+        <p:spPr>
+          <a:xfrm>
+            <a:off x="-4218538" y="1071586"/>
+            <a:ext cx="21347485" cy="2001104"/>
+          </a:xfrm>
+          <a:prstGeom prst="rect">
+            <a:avLst/>
+          </a:prstGeom>
+        </p:spPr>
+      </p:pic>
+      <p:grpSp>
+        <p:nvGrpSpPr>
+          <p:cNvPr id="1002" name="그룹 1002"/>
+          <p:cNvGrpSpPr/>
+          <p:nvPr/>
+        </p:nvGrpSpPr>
+        <p:grpSpPr>
+          <a:xfrm>
+            <a:off x="8117705" y="6435973"/>
+            <a:ext cx="2709249" cy="2709249"/>
+            <a:chOff x="8117705" y="6435973"/>
+            <a:chExt cx="2709249" cy="2709249"/>
+          </a:xfrm>
+        </p:grpSpPr>
+        <p:pic>
+          <p:nvPicPr>
+            <p:cNvPr id="10" name="Object 9"/>
+            <p:cNvPicPr>
+              <a:picLocks noChangeAspect="1"/>
+            </p:cNvPicPr>
+            <p:nvPr/>
+          </p:nvPicPr>
+          <p:blipFill>
+            <a:blip r:embed="rId3" cstate="print"/>
+            <a:stretch>
+              <a:fillRect/>
+            </a:stretch>
+          </p:blipFill>
+          <p:spPr>
+            <a:xfrm>
+              <a:off x="8117705" y="6435973"/>
+              <a:ext cx="2709249" cy="2709249"/>
+            </a:xfrm>
+            <a:prstGeom prst="rect">
+              <a:avLst/>
+            </a:prstGeom>
+          </p:spPr>
+        </p:pic>
+      </p:grpSp>
+      <p:grpSp>
+        <p:nvGrpSpPr>
+          <p:cNvPr id="1003" name="그룹 1003"/>
+          <p:cNvGrpSpPr/>
+          <p:nvPr/>
+        </p:nvGrpSpPr>
+        <p:grpSpPr>
+          <a:xfrm>
+            <a:off x="5218393" y="8645346"/>
+            <a:ext cx="3115387" cy="38095"/>
+            <a:chOff x="5218393" y="8645346"/>
+            <a:chExt cx="3115387" cy="38095"/>
+          </a:xfrm>
+        </p:grpSpPr>
+        <p:pic>
+          <p:nvPicPr>
+            <p:cNvPr id="13" name="Object 12"/>
+            <p:cNvPicPr>
+              <a:picLocks noChangeAspect="1"/>
+            </p:cNvPicPr>
+            <p:nvPr/>
+          </p:nvPicPr>
+          <p:blipFill>
+            <a:blip r:embed="rId4" cstate="print"/>
+            <a:stretch>
+              <a:fillRect/>
+            </a:stretch>
+          </p:blipFill>
+          <p:spPr>
+            <a:xfrm rot="-1020000">
+              <a:off x="5218393" y="8645346"/>
+              <a:ext cx="3115387" cy="38095"/>
+            </a:xfrm>
+            <a:prstGeom prst="rect">
+              <a:avLst/>
+            </a:prstGeom>
+          </p:spPr>
+        </p:pic>
+      </p:grpSp>
+      <p:grpSp>
+        <p:nvGrpSpPr>
+          <p:cNvPr id="1004" name="그룹 1004"/>
+          <p:cNvGrpSpPr/>
+          <p:nvPr/>
+        </p:nvGrpSpPr>
+        <p:grpSpPr>
+          <a:xfrm>
+            <a:off x="6483928" y="6857671"/>
+            <a:ext cx="1924124" cy="38095"/>
+            <a:chOff x="6483928" y="6857671"/>
+            <a:chExt cx="1924124" cy="38095"/>
+          </a:xfrm>
+        </p:grpSpPr>
+        <p:pic>
+          <p:nvPicPr>
+            <p:cNvPr id="16" name="Object 15"/>
+            <p:cNvPicPr>
+              <a:picLocks noChangeAspect="1"/>
+            </p:cNvPicPr>
+            <p:nvPr/>
+          </p:nvPicPr>
+          <p:blipFill>
+            <a:blip r:embed="rId5" cstate="print"/>
+            <a:stretch>
+              <a:fillRect/>
+            </a:stretch>
+          </p:blipFill>
+          <p:spPr>
+            <a:xfrm rot="1740000">
+              <a:off x="6483928" y="6857671"/>
+              <a:ext cx="1924124" cy="38095"/>
+            </a:xfrm>
+            <a:prstGeom prst="rect">
+              <a:avLst/>
+            </a:prstGeom>
+          </p:spPr>
+        </p:pic>
+      </p:grpSp>
+      <p:grpSp>
+        <p:nvGrpSpPr>
+          <p:cNvPr id="1005" name="그룹 1005"/>
+          <p:cNvGrpSpPr/>
+          <p:nvPr/>
+        </p:nvGrpSpPr>
+        <p:grpSpPr>
+          <a:xfrm>
+            <a:off x="9930564" y="6271635"/>
+            <a:ext cx="704593" cy="38095"/>
+            <a:chOff x="9930564" y="6271635"/>
+            <a:chExt cx="704593" cy="38095"/>
+          </a:xfrm>
+        </p:grpSpPr>
+        <p:pic>
+          <p:nvPicPr>
+            <p:cNvPr id="19" name="Object 18"/>
+            <p:cNvPicPr>
+              <a:picLocks noChangeAspect="1"/>
+            </p:cNvPicPr>
+            <p:nvPr/>
+          </p:nvPicPr>
+          <p:blipFill>
+            <a:blip r:embed="rId6" cstate="print"/>
+            <a:stretch>
+              <a:fillRect/>
+            </a:stretch>
+          </p:blipFill>
+          <p:spPr>
+            <a:xfrm rot="7260000">
+              <a:off x="9930564" y="6271635"/>
+              <a:ext cx="704593" cy="38095"/>
+            </a:xfrm>
+            <a:prstGeom prst="rect">
+              <a:avLst/>
+            </a:prstGeom>
+          </p:spPr>
+        </p:pic>
+      </p:grpSp>
+      <p:grpSp>
+        <p:nvGrpSpPr>
+          <p:cNvPr id="1006" name="그룹 1006"/>
+          <p:cNvGrpSpPr/>
+          <p:nvPr/>
+        </p:nvGrpSpPr>
+        <p:grpSpPr>
+          <a:xfrm>
+            <a:off x="10462340" y="8250094"/>
+            <a:ext cx="3455797" cy="38095"/>
+            <a:chOff x="10462340" y="8250094"/>
+            <a:chExt cx="3455797" cy="38095"/>
+          </a:xfrm>
+        </p:grpSpPr>
+        <p:pic>
+          <p:nvPicPr>
+            <p:cNvPr id="22" name="Object 21"/>
+            <p:cNvPicPr>
+              <a:picLocks noChangeAspect="1"/>
+            </p:cNvPicPr>
+            <p:nvPr/>
+          </p:nvPicPr>
+          <p:blipFill>
+            <a:blip r:embed="rId7" cstate="print"/>
+            <a:stretch>
+              <a:fillRect/>
+            </a:stretch>
+          </p:blipFill>
+          <p:spPr>
+            <a:xfrm rot="540000">
+              <a:off x="10462340" y="8250094"/>
+              <a:ext cx="3455797" cy="38095"/>
+            </a:xfrm>
+            <a:prstGeom prst="rect">
+              <a:avLst/>
+            </a:prstGeom>
+          </p:spPr>
+        </p:pic>
+      </p:grpSp>
+      <p:grpSp>
+        <p:nvGrpSpPr>
+          <p:cNvPr id="1007" name="그룹 1007"/>
+          <p:cNvGrpSpPr/>
+          <p:nvPr/>
+        </p:nvGrpSpPr>
+        <p:grpSpPr>
+          <a:xfrm>
+            <a:off x="10491034" y="6950976"/>
+            <a:ext cx="2606463" cy="38095"/>
+            <a:chOff x="10491034" y="6950976"/>
+            <a:chExt cx="2606463" cy="38095"/>
+          </a:xfrm>
+        </p:grpSpPr>
+        <p:pic>
+          <p:nvPicPr>
+            <p:cNvPr id="25" name="Object 24"/>
+            <p:cNvPicPr>
+              <a:picLocks noChangeAspect="1"/>
+            </p:cNvPicPr>
+            <p:nvPr/>
+          </p:nvPicPr>
+          <p:blipFill>
+            <a:blip r:embed="rId8" cstate="print"/>
+            <a:stretch>
+              <a:fillRect/>
+            </a:stretch>
+          </p:blipFill>
+          <p:spPr>
+            <a:xfrm rot="-1020000">
+              <a:off x="10491034" y="6950976"/>
+              <a:ext cx="2606463" cy="38095"/>
+            </a:xfrm>
+            <a:prstGeom prst="rect">
+              <a:avLst/>
+            </a:prstGeom>
+          </p:spPr>
+        </p:pic>
+      </p:grpSp>
+      <p:sp>
+        <p:nvSpPr>
+          <p:cNvPr id="2" name="TextBox 1">
+            <a:extLst>
+              <a:ext uri="{FF2B5EF4-FFF2-40B4-BE49-F238E27FC236}">
+                <a16:creationId xmlns:a16="http://schemas.microsoft.com/office/drawing/2014/main" id="{0A81C69F-F331-5BCE-FABB-9B09E978ABE6}"/>
+              </a:ext>
+            </a:extLst>
+          </p:cNvPr>
+          <p:cNvSpPr txBox="1"/>
+          <p:nvPr/>
+        </p:nvSpPr>
+        <p:spPr>
+          <a:xfrm>
+            <a:off x="5867400" y="9130725"/>
+            <a:ext cx="7620000" cy="584775"/>
+          </a:xfrm>
+          <a:prstGeom prst="rect">
+            <a:avLst/>
+          </a:prstGeom>
+          <a:noFill/>
+        </p:spPr>
+        <p:txBody>
+          <a:bodyPr wrap="square" rtlCol="0">
+            <a:spAutoFit/>
+          </a:bodyPr>
+          <a:lstStyle/>
+          <a:p>
+            <a:r>
+              <a:rPr lang="en-US" altLang="ko-KR" sz="3200" b="1" dirty="0"/>
+              <a:t>Esg_merge.csv</a:t>
+            </a:r>
+            <a:r>
+              <a:rPr lang="ko-KR" altLang="en-US" sz="3200" b="1" dirty="0"/>
+              <a:t>에 </a:t>
+            </a:r>
+            <a:r>
+              <a:rPr lang="en-US" altLang="ko-KR" sz="3200" b="1" dirty="0"/>
+              <a:t>ESG </a:t>
+            </a:r>
+            <a:r>
+              <a:rPr lang="ko-KR" altLang="en-US" sz="3200" b="1" dirty="0"/>
+              <a:t>평가 지표 정보 저장</a:t>
+            </a:r>
+          </a:p>
+        </p:txBody>
+      </p:sp>
+      <p:pic>
+        <p:nvPicPr>
+          <p:cNvPr id="9" name="그림 8">
+            <a:extLst>
+              <a:ext uri="{FF2B5EF4-FFF2-40B4-BE49-F238E27FC236}">
+                <a16:creationId xmlns:a16="http://schemas.microsoft.com/office/drawing/2014/main" id="{45E3AC2C-7CC1-43C6-E998-89C21B03A9DC}"/>
+              </a:ext>
+            </a:extLst>
+          </p:cNvPr>
+          <p:cNvPicPr>
+            <a:picLocks noChangeAspect="1"/>
+          </p:cNvPicPr>
+          <p:nvPr/>
+        </p:nvPicPr>
+        <p:blipFill>
+          <a:blip r:embed="rId9"/>
+          <a:stretch>
+            <a:fillRect/>
+          </a:stretch>
+        </p:blipFill>
+        <p:spPr>
+          <a:xfrm>
+            <a:off x="763657" y="3182937"/>
+            <a:ext cx="6228896" cy="3374882"/>
+          </a:xfrm>
+          <a:prstGeom prst="rect">
+            <a:avLst/>
+          </a:prstGeom>
+        </p:spPr>
+      </p:pic>
+      <p:pic>
+        <p:nvPicPr>
+          <p:cNvPr id="12" name="그림 11">
+            <a:extLst>
+              <a:ext uri="{FF2B5EF4-FFF2-40B4-BE49-F238E27FC236}">
+                <a16:creationId xmlns:a16="http://schemas.microsoft.com/office/drawing/2014/main" id="{381FE8C8-2266-8F25-A36F-B0130A46102F}"/>
+              </a:ext>
+            </a:extLst>
+          </p:cNvPr>
+          <p:cNvPicPr>
+            <a:picLocks noChangeAspect="1"/>
+          </p:cNvPicPr>
+          <p:nvPr/>
+        </p:nvPicPr>
+        <p:blipFill>
+          <a:blip r:embed="rId10"/>
+          <a:stretch>
+            <a:fillRect/>
+          </a:stretch>
+        </p:blipFill>
+        <p:spPr>
+          <a:xfrm>
+            <a:off x="7361839" y="2873189"/>
+            <a:ext cx="6784861" cy="3029881"/>
+          </a:xfrm>
+          <a:prstGeom prst="rect">
+            <a:avLst/>
+          </a:prstGeom>
+        </p:spPr>
+      </p:pic>
+      <p:pic>
+        <p:nvPicPr>
+          <p:cNvPr id="15" name="그림 14">
+            <a:extLst>
+              <a:ext uri="{FF2B5EF4-FFF2-40B4-BE49-F238E27FC236}">
+                <a16:creationId xmlns:a16="http://schemas.microsoft.com/office/drawing/2014/main" id="{361A8B15-3F49-78BA-56F8-4EEDF19E86ED}"/>
+              </a:ext>
+            </a:extLst>
+          </p:cNvPr>
+          <p:cNvPicPr>
+            <a:picLocks noChangeAspect="1"/>
+          </p:cNvPicPr>
+          <p:nvPr/>
+        </p:nvPicPr>
+        <p:blipFill>
+          <a:blip r:embed="rId11"/>
+          <a:stretch>
+            <a:fillRect/>
+          </a:stretch>
+        </p:blipFill>
+        <p:spPr>
+          <a:xfrm>
+            <a:off x="572201" y="7867392"/>
+            <a:ext cx="4989221" cy="1848108"/>
+          </a:xfrm>
+          <a:prstGeom prst="rect">
+            <a:avLst/>
+          </a:prstGeom>
+        </p:spPr>
+      </p:pic>
+      <p:pic>
+        <p:nvPicPr>
+          <p:cNvPr id="18" name="그림 17">
+            <a:extLst>
+              <a:ext uri="{FF2B5EF4-FFF2-40B4-BE49-F238E27FC236}">
+                <a16:creationId xmlns:a16="http://schemas.microsoft.com/office/drawing/2014/main" id="{F3768E24-B44A-7658-145E-4B54528A27B6}"/>
+              </a:ext>
+            </a:extLst>
+          </p:cNvPr>
+          <p:cNvPicPr>
+            <a:picLocks noChangeAspect="1"/>
+          </p:cNvPicPr>
+          <p:nvPr/>
+        </p:nvPicPr>
+        <p:blipFill>
+          <a:blip r:embed="rId12"/>
+          <a:stretch>
+            <a:fillRect/>
+          </a:stretch>
+        </p:blipFill>
+        <p:spPr>
+          <a:xfrm>
+            <a:off x="12349342" y="5029617"/>
+            <a:ext cx="4932847" cy="2279809"/>
+          </a:xfrm>
+          <a:prstGeom prst="rect">
+            <a:avLst/>
+          </a:prstGeom>
+        </p:spPr>
+      </p:pic>
+      <p:pic>
+        <p:nvPicPr>
+          <p:cNvPr id="21" name="그림 20">
+            <a:extLst>
+              <a:ext uri="{FF2B5EF4-FFF2-40B4-BE49-F238E27FC236}">
+                <a16:creationId xmlns:a16="http://schemas.microsoft.com/office/drawing/2014/main" id="{8EE5ADBF-24CF-F798-C989-2CA735A76D5B}"/>
+              </a:ext>
+            </a:extLst>
+          </p:cNvPr>
+          <p:cNvPicPr>
+            <a:picLocks noChangeAspect="1"/>
+          </p:cNvPicPr>
+          <p:nvPr/>
+        </p:nvPicPr>
+        <p:blipFill>
+          <a:blip r:embed="rId13"/>
+          <a:stretch>
+            <a:fillRect/>
+          </a:stretch>
+        </p:blipFill>
+        <p:spPr>
+          <a:xfrm>
+            <a:off x="11277600" y="7790597"/>
+            <a:ext cx="7010400" cy="1156271"/>
+          </a:xfrm>
+          <a:prstGeom prst="rect">
+            <a:avLst/>
+          </a:prstGeom>
+        </p:spPr>
+      </p:pic>
+    </p:spTree>
+  </p:cSld>
+  <p:clrMapOvr>
+    <a:masterClrMapping/>
+  </p:clrMapOvr>
+</p:sld>
+</file>
+
+<file path=ppt/slides/slide5.xml><?xml version="1.0" encoding="utf-8"?>
+<p:sld xmlns:a="http://schemas.openxmlformats.org/drawingml/2006/main" xmlns:r="http://schemas.openxmlformats.org/officeDocument/2006/relationships" xmlns:p="http://schemas.openxmlformats.org/presentationml/2006/main">
+  <p:cSld>
+    <p:spTree>
+      <p:nvGrpSpPr>
+        <p:cNvPr id="1" name=""/>
+        <p:cNvGrpSpPr/>
+        <p:nvPr/>
+      </p:nvGrpSpPr>
+      <p:grpSpPr>
+        <a:xfrm>
+          <a:off x="0" y="0"/>
+          <a:ext cx="0" cy="0"/>
+          <a:chOff x="0" y="0"/>
+          <a:chExt cx="0" cy="0"/>
+        </a:xfrm>
+      </p:grpSpPr>
+      <p:grpSp>
+        <p:nvGrpSpPr>
+          <p:cNvPr id="1002" name="그룹 1002"/>
+          <p:cNvGrpSpPr/>
+          <p:nvPr/>
+        </p:nvGrpSpPr>
+        <p:grpSpPr>
+          <a:xfrm>
+            <a:off x="8117705" y="6435973"/>
+            <a:ext cx="2709249" cy="2709249"/>
+            <a:chOff x="8117705" y="6435973"/>
+            <a:chExt cx="2709249" cy="2709249"/>
+          </a:xfrm>
+        </p:grpSpPr>
+        <p:pic>
+          <p:nvPicPr>
+            <p:cNvPr id="10" name="Object 9"/>
+            <p:cNvPicPr>
+              <a:picLocks noChangeAspect="1"/>
+            </p:cNvPicPr>
+            <p:nvPr/>
+          </p:nvPicPr>
+          <p:blipFill>
+            <a:blip r:embed="rId2" cstate="print"/>
+            <a:stretch>
+              <a:fillRect/>
+            </a:stretch>
+          </p:blipFill>
+          <p:spPr>
+            <a:xfrm>
+              <a:off x="8117705" y="6435973"/>
+              <a:ext cx="2709249" cy="2709249"/>
+            </a:xfrm>
+            <a:prstGeom prst="rect">
+              <a:avLst/>
+            </a:prstGeom>
+          </p:spPr>
+        </p:pic>
+      </p:grpSp>
+      <p:grpSp>
+        <p:nvGrpSpPr>
+          <p:cNvPr id="1003" name="그룹 1003"/>
+          <p:cNvGrpSpPr/>
+          <p:nvPr/>
+        </p:nvGrpSpPr>
+        <p:grpSpPr>
+          <a:xfrm>
+            <a:off x="5218393" y="8645346"/>
+            <a:ext cx="3115387" cy="38095"/>
+            <a:chOff x="5218393" y="8645346"/>
+            <a:chExt cx="3115387" cy="38095"/>
+          </a:xfrm>
+        </p:grpSpPr>
+        <p:pic>
+          <p:nvPicPr>
+            <p:cNvPr id="13" name="Object 12"/>
+            <p:cNvPicPr>
+              <a:picLocks noChangeAspect="1"/>
+            </p:cNvPicPr>
+            <p:nvPr/>
+          </p:nvPicPr>
+          <p:blipFill>
+            <a:blip r:embed="rId3" cstate="print"/>
+            <a:stretch>
+              <a:fillRect/>
+            </a:stretch>
+          </p:blipFill>
+          <p:spPr>
+            <a:xfrm rot="-1020000">
+              <a:off x="5218393" y="8645346"/>
+              <a:ext cx="3115387" cy="38095"/>
+            </a:xfrm>
+            <a:prstGeom prst="rect">
+              <a:avLst/>
+            </a:prstGeom>
+          </p:spPr>
+        </p:pic>
+      </p:grpSp>
+      <p:grpSp>
+        <p:nvGrpSpPr>
+          <p:cNvPr id="1004" name="그룹 1004"/>
+          <p:cNvGrpSpPr/>
+          <p:nvPr/>
+        </p:nvGrpSpPr>
+        <p:grpSpPr>
+          <a:xfrm>
+            <a:off x="6483928" y="6857671"/>
+            <a:ext cx="1924124" cy="38095"/>
+            <a:chOff x="6483928" y="6857671"/>
+            <a:chExt cx="1924124" cy="38095"/>
+          </a:xfrm>
+        </p:grpSpPr>
+        <p:pic>
+          <p:nvPicPr>
+            <p:cNvPr id="16" name="Object 15"/>
+            <p:cNvPicPr>
+              <a:picLocks noChangeAspect="1"/>
+            </p:cNvPicPr>
+            <p:nvPr/>
+          </p:nvPicPr>
+          <p:blipFill>
+            <a:blip r:embed="rId4" cstate="print"/>
+            <a:stretch>
+              <a:fillRect/>
+            </a:stretch>
+          </p:blipFill>
+          <p:spPr>
+            <a:xfrm rot="1740000">
+              <a:off x="6483928" y="6857671"/>
+              <a:ext cx="1924124" cy="38095"/>
+            </a:xfrm>
+            <a:prstGeom prst="rect">
+              <a:avLst/>
+            </a:prstGeom>
+          </p:spPr>
+        </p:pic>
+      </p:grpSp>
+      <p:grpSp>
+        <p:nvGrpSpPr>
+          <p:cNvPr id="1005" name="그룹 1005"/>
+          <p:cNvGrpSpPr/>
+          <p:nvPr/>
+        </p:nvGrpSpPr>
+        <p:grpSpPr>
+          <a:xfrm>
+            <a:off x="9930564" y="6271635"/>
+            <a:ext cx="704593" cy="38095"/>
+            <a:chOff x="9930564" y="6271635"/>
+            <a:chExt cx="704593" cy="38095"/>
+          </a:xfrm>
+        </p:grpSpPr>
+        <p:pic>
+          <p:nvPicPr>
+            <p:cNvPr id="19" name="Object 18"/>
+            <p:cNvPicPr>
+              <a:picLocks noChangeAspect="1"/>
+            </p:cNvPicPr>
+            <p:nvPr/>
+          </p:nvPicPr>
+          <p:blipFill>
+            <a:blip r:embed="rId5" cstate="print"/>
+            <a:stretch>
+              <a:fillRect/>
+            </a:stretch>
+          </p:blipFill>
+          <p:spPr>
+            <a:xfrm rot="7260000">
+              <a:off x="9930564" y="6271635"/>
+              <a:ext cx="704593" cy="38095"/>
+            </a:xfrm>
+            <a:prstGeom prst="rect">
+              <a:avLst/>
+            </a:prstGeom>
+          </p:spPr>
+        </p:pic>
+      </p:grpSp>
+      <p:grpSp>
+        <p:nvGrpSpPr>
+          <p:cNvPr id="1006" name="그룹 1006"/>
+          <p:cNvGrpSpPr/>
+          <p:nvPr/>
+        </p:nvGrpSpPr>
+        <p:grpSpPr>
+          <a:xfrm>
+            <a:off x="10462340" y="8250094"/>
+            <a:ext cx="3455797" cy="38095"/>
+            <a:chOff x="10462340" y="8250094"/>
+            <a:chExt cx="3455797" cy="38095"/>
+          </a:xfrm>
+        </p:grpSpPr>
+        <p:pic>
+          <p:nvPicPr>
+            <p:cNvPr id="22" name="Object 21"/>
+            <p:cNvPicPr>
+              <a:picLocks noChangeAspect="1"/>
+            </p:cNvPicPr>
+            <p:nvPr/>
+          </p:nvPicPr>
+          <p:blipFill>
+            <a:blip r:embed="rId6" cstate="print"/>
+            <a:stretch>
+              <a:fillRect/>
+            </a:stretch>
+          </p:blipFill>
+          <p:spPr>
+            <a:xfrm rot="540000">
+              <a:off x="10462340" y="8250094"/>
+              <a:ext cx="3455797" cy="38095"/>
+            </a:xfrm>
+            <a:prstGeom prst="rect">
+              <a:avLst/>
+            </a:prstGeom>
+          </p:spPr>
+        </p:pic>
+      </p:grpSp>
+      <p:sp>
+        <p:nvSpPr>
+          <p:cNvPr id="2" name="TextBox 1">
+            <a:extLst>
+              <a:ext uri="{FF2B5EF4-FFF2-40B4-BE49-F238E27FC236}">
+                <a16:creationId xmlns:a16="http://schemas.microsoft.com/office/drawing/2014/main" id="{0A81C69F-F331-5BCE-FABB-9B09E978ABE6}"/>
+              </a:ext>
+            </a:extLst>
+          </p:cNvPr>
+          <p:cNvSpPr txBox="1"/>
+          <p:nvPr/>
+        </p:nvSpPr>
+        <p:spPr>
+          <a:xfrm>
+            <a:off x="5867400" y="9130725"/>
+            <a:ext cx="7620000" cy="1077218"/>
+          </a:xfrm>
+          <a:prstGeom prst="rect">
+            <a:avLst/>
+          </a:prstGeom>
+          <a:noFill/>
+        </p:spPr>
+        <p:txBody>
+          <a:bodyPr wrap="square" rtlCol="0">
+            <a:spAutoFit/>
+          </a:bodyPr>
+          <a:lstStyle/>
+          <a:p>
+            <a:r>
+              <a:rPr lang="en-US" altLang="ko-KR" sz="3200" b="1" dirty="0"/>
+              <a:t>Esg_after_preprocessing.csv</a:t>
+            </a:r>
+            <a:r>
+              <a:rPr lang="ko-KR" altLang="en-US" sz="3200" b="1" dirty="0"/>
+              <a:t>에 </a:t>
+            </a:r>
+            <a:r>
+              <a:rPr lang="en-US" altLang="ko-KR" sz="3200" b="1" dirty="0"/>
+              <a:t>ESG_merge.csv</a:t>
+            </a:r>
+            <a:r>
+              <a:rPr lang="ko-KR" altLang="en-US" sz="3200" b="1" dirty="0"/>
+              <a:t>의 </a:t>
+            </a:r>
+            <a:r>
+              <a:rPr lang="ko-KR" altLang="en-US" sz="3200" b="1" dirty="0" err="1"/>
+              <a:t>전처리</a:t>
+            </a:r>
+            <a:r>
+              <a:rPr lang="ko-KR" altLang="en-US" sz="3200" b="1" dirty="0"/>
+              <a:t> 데이터 저장</a:t>
+            </a:r>
+          </a:p>
+        </p:txBody>
+      </p:sp>
+      <p:sp>
+        <p:nvSpPr>
+          <p:cNvPr id="4" name="TextBox 3">
+            <a:extLst>
+              <a:ext uri="{FF2B5EF4-FFF2-40B4-BE49-F238E27FC236}">
+                <a16:creationId xmlns:a16="http://schemas.microsoft.com/office/drawing/2014/main" id="{02DF49FC-8EE5-96F7-B0E6-53A6436A3B8F}"/>
+              </a:ext>
+            </a:extLst>
+          </p:cNvPr>
+          <p:cNvSpPr txBox="1"/>
+          <p:nvPr/>
+        </p:nvSpPr>
+        <p:spPr>
+          <a:xfrm>
+            <a:off x="6400800" y="1035903"/>
+            <a:ext cx="11353800" cy="830997"/>
+          </a:xfrm>
+          <a:prstGeom prst="rect">
+            <a:avLst/>
+          </a:prstGeom>
+          <a:noFill/>
+        </p:spPr>
+        <p:txBody>
+          <a:bodyPr wrap="square" rtlCol="0">
+            <a:spAutoFit/>
+          </a:bodyPr>
+          <a:lstStyle/>
+          <a:p>
+            <a:r>
+              <a:rPr lang="ko-KR" altLang="en-US" sz="4800" b="1" dirty="0"/>
+              <a:t>데이터 </a:t>
+            </a:r>
+            <a:r>
+              <a:rPr lang="ko-KR" altLang="en-US" sz="4800" b="1" dirty="0" err="1"/>
+              <a:t>전처리</a:t>
+            </a:r>
+            <a:endParaRPr lang="ko-KR" altLang="en-US" sz="4800" b="1" dirty="0"/>
+          </a:p>
+        </p:txBody>
+      </p:sp>
+      <p:pic>
+        <p:nvPicPr>
+          <p:cNvPr id="6" name="그림 5">
+            <a:extLst>
+              <a:ext uri="{FF2B5EF4-FFF2-40B4-BE49-F238E27FC236}">
+                <a16:creationId xmlns:a16="http://schemas.microsoft.com/office/drawing/2014/main" id="{7EB8F80D-47F7-40B3-6DB4-7109FF6AF11B}"/>
+              </a:ext>
+            </a:extLst>
+          </p:cNvPr>
+          <p:cNvPicPr>
+            <a:picLocks noChangeAspect="1"/>
+          </p:cNvPicPr>
+          <p:nvPr/>
+        </p:nvPicPr>
+        <p:blipFill>
+          <a:blip r:embed="rId7"/>
+          <a:stretch>
+            <a:fillRect/>
+          </a:stretch>
+        </p:blipFill>
+        <p:spPr>
+          <a:xfrm>
+            <a:off x="2357955" y="2806873"/>
+            <a:ext cx="4341341" cy="3943858"/>
+          </a:xfrm>
+          <a:prstGeom prst="rect">
+            <a:avLst/>
+          </a:prstGeom>
+        </p:spPr>
+      </p:pic>
+      <p:pic>
+        <p:nvPicPr>
+          <p:cNvPr id="11" name="그림 10">
+            <a:extLst>
+              <a:ext uri="{FF2B5EF4-FFF2-40B4-BE49-F238E27FC236}">
+                <a16:creationId xmlns:a16="http://schemas.microsoft.com/office/drawing/2014/main" id="{6FCBB478-52E3-4673-D194-9E29632690A2}"/>
+              </a:ext>
+            </a:extLst>
+          </p:cNvPr>
+          <p:cNvPicPr>
+            <a:picLocks noChangeAspect="1"/>
+          </p:cNvPicPr>
+          <p:nvPr/>
+        </p:nvPicPr>
+        <p:blipFill>
+          <a:blip r:embed="rId8"/>
+          <a:stretch>
+            <a:fillRect/>
+          </a:stretch>
+        </p:blipFill>
+        <p:spPr>
+          <a:xfrm>
+            <a:off x="7792463" y="4523329"/>
+            <a:ext cx="7592485" cy="1438476"/>
+          </a:xfrm>
+          <a:prstGeom prst="rect">
+            <a:avLst/>
+          </a:prstGeom>
+        </p:spPr>
+      </p:pic>
+      <p:pic>
+        <p:nvPicPr>
+          <p:cNvPr id="17" name="그림 16">
+            <a:extLst>
+              <a:ext uri="{FF2B5EF4-FFF2-40B4-BE49-F238E27FC236}">
+                <a16:creationId xmlns:a16="http://schemas.microsoft.com/office/drawing/2014/main" id="{41249682-D993-6765-62BE-731C8E7808BF}"/>
+              </a:ext>
+            </a:extLst>
+          </p:cNvPr>
+          <p:cNvPicPr>
+            <a:picLocks noChangeAspect="1"/>
+          </p:cNvPicPr>
+          <p:nvPr/>
+        </p:nvPicPr>
+        <p:blipFill>
+          <a:blip r:embed="rId9"/>
+          <a:stretch>
+            <a:fillRect/>
+          </a:stretch>
+        </p:blipFill>
+        <p:spPr>
+          <a:xfrm>
+            <a:off x="1123567" y="7359795"/>
+            <a:ext cx="4438470" cy="2793322"/>
+          </a:xfrm>
+          <a:prstGeom prst="rect">
+            <a:avLst/>
+          </a:prstGeom>
+        </p:spPr>
+      </p:pic>
+      <p:pic>
+        <p:nvPicPr>
+          <p:cNvPr id="23" name="그림 22">
+            <a:extLst>
+              <a:ext uri="{FF2B5EF4-FFF2-40B4-BE49-F238E27FC236}">
+                <a16:creationId xmlns:a16="http://schemas.microsoft.com/office/drawing/2014/main" id="{CDE848D3-777B-9174-16A0-DCB36AA42D9D}"/>
+              </a:ext>
+            </a:extLst>
+          </p:cNvPr>
+          <p:cNvPicPr>
+            <a:picLocks noChangeAspect="1"/>
+          </p:cNvPicPr>
+          <p:nvPr/>
+        </p:nvPicPr>
+        <p:blipFill>
+          <a:blip r:embed="rId10"/>
+          <a:stretch>
+            <a:fillRect/>
+          </a:stretch>
+        </p:blipFill>
+        <p:spPr>
+          <a:xfrm>
+            <a:off x="13014294" y="6258785"/>
+            <a:ext cx="3248478" cy="3400900"/>
+          </a:xfrm>
+          <a:prstGeom prst="rect">
+            <a:avLst/>
+          </a:prstGeom>
+        </p:spPr>
+      </p:pic>
+    </p:spTree>
+    <p:extLst>
+      <p:ext uri="{BB962C8B-B14F-4D97-AF65-F5344CB8AC3E}">
+        <p14:creationId xmlns:p14="http://schemas.microsoft.com/office/powerpoint/2010/main" val="2094238710"/>
+      </p:ext>
+    </p:extLst>
+  </p:cSld>
+  <p:clrMapOvr>
+    <a:masterClrMapping/>
+  </p:clrMapOvr>
+</p:sld>
+</file>
+
+<file path=ppt/slides/slide6.xml><?xml version="1.0" encoding="utf-8"?>
+<p:sld xmlns:a="http://schemas.openxmlformats.org/drawingml/2006/main" xmlns:r="http://schemas.openxmlformats.org/officeDocument/2006/relationships" xmlns:p="http://schemas.openxmlformats.org/presentationml/2006/main">
+  <p:cSld>
+    <p:spTree>
+      <p:nvGrpSpPr>
+        <p:cNvPr id="1" name=""/>
+        <p:cNvGrpSpPr/>
+        <p:nvPr/>
+      </p:nvGrpSpPr>
+      <p:grpSpPr>
+        <a:xfrm>
+          <a:off x="0" y="0"/>
+          <a:ext cx="0" cy="0"/>
+          <a:chOff x="0" y="0"/>
+          <a:chExt cx="0" cy="0"/>
+        </a:xfrm>
+      </p:grpSpPr>
+      <p:grpSp>
+        <p:nvGrpSpPr>
+          <p:cNvPr id="1002" name="그룹 1002"/>
+          <p:cNvGrpSpPr/>
+          <p:nvPr/>
+        </p:nvGrpSpPr>
+        <p:grpSpPr>
+          <a:xfrm>
+            <a:off x="8117705" y="6435973"/>
+            <a:ext cx="2709249" cy="2709249"/>
+            <a:chOff x="8117705" y="6435973"/>
+            <a:chExt cx="2709249" cy="2709249"/>
+          </a:xfrm>
+        </p:grpSpPr>
+        <p:pic>
+          <p:nvPicPr>
+            <p:cNvPr id="10" name="Object 9"/>
+            <p:cNvPicPr>
+              <a:picLocks noChangeAspect="1"/>
+            </p:cNvPicPr>
+            <p:nvPr/>
+          </p:nvPicPr>
+          <p:blipFill>
+            <a:blip r:embed="rId2" cstate="print"/>
+            <a:stretch>
+              <a:fillRect/>
+            </a:stretch>
+          </p:blipFill>
+          <p:spPr>
+            <a:xfrm>
+              <a:off x="8117705" y="6435973"/>
+              <a:ext cx="2709249" cy="2709249"/>
+            </a:xfrm>
+            <a:prstGeom prst="rect">
+              <a:avLst/>
+            </a:prstGeom>
+          </p:spPr>
+        </p:pic>
+      </p:grpSp>
+      <p:grpSp>
+        <p:nvGrpSpPr>
+          <p:cNvPr id="1003" name="그룹 1003"/>
+          <p:cNvGrpSpPr/>
+          <p:nvPr/>
+        </p:nvGrpSpPr>
+        <p:grpSpPr>
+          <a:xfrm>
+            <a:off x="5218393" y="8645346"/>
+            <a:ext cx="3115387" cy="38095"/>
+            <a:chOff x="5218393" y="8645346"/>
+            <a:chExt cx="3115387" cy="38095"/>
+          </a:xfrm>
+        </p:grpSpPr>
+        <p:pic>
+          <p:nvPicPr>
+            <p:cNvPr id="13" name="Object 12"/>
+            <p:cNvPicPr>
+              <a:picLocks noChangeAspect="1"/>
+            </p:cNvPicPr>
+            <p:nvPr/>
+          </p:nvPicPr>
+          <p:blipFill>
+            <a:blip r:embed="rId3" cstate="print"/>
+            <a:stretch>
+              <a:fillRect/>
+            </a:stretch>
+          </p:blipFill>
+          <p:spPr>
+            <a:xfrm rot="-1020000">
+              <a:off x="5218393" y="8645346"/>
+              <a:ext cx="3115387" cy="38095"/>
+            </a:xfrm>
+            <a:prstGeom prst="rect">
+              <a:avLst/>
+            </a:prstGeom>
+          </p:spPr>
+        </p:pic>
+      </p:grpSp>
+      <p:grpSp>
+        <p:nvGrpSpPr>
+          <p:cNvPr id="1004" name="그룹 1004"/>
+          <p:cNvGrpSpPr/>
+          <p:nvPr/>
+        </p:nvGrpSpPr>
+        <p:grpSpPr>
+          <a:xfrm>
+            <a:off x="6483928" y="6857671"/>
+            <a:ext cx="1924124" cy="38095"/>
+            <a:chOff x="6483928" y="6857671"/>
+            <a:chExt cx="1924124" cy="38095"/>
+          </a:xfrm>
+        </p:grpSpPr>
+        <p:pic>
+          <p:nvPicPr>
+            <p:cNvPr id="16" name="Object 15"/>
+            <p:cNvPicPr>
+              <a:picLocks noChangeAspect="1"/>
+            </p:cNvPicPr>
+            <p:nvPr/>
+          </p:nvPicPr>
+          <p:blipFill>
+            <a:blip r:embed="rId4" cstate="print"/>
+            <a:stretch>
+              <a:fillRect/>
+            </a:stretch>
+          </p:blipFill>
+          <p:spPr>
+            <a:xfrm rot="1740000">
+              <a:off x="6483928" y="6857671"/>
+              <a:ext cx="1924124" cy="38095"/>
+            </a:xfrm>
+            <a:prstGeom prst="rect">
+              <a:avLst/>
+            </a:prstGeom>
+          </p:spPr>
+        </p:pic>
+      </p:grpSp>
+      <p:grpSp>
+        <p:nvGrpSpPr>
+          <p:cNvPr id="1005" name="그룹 1005"/>
+          <p:cNvGrpSpPr/>
+          <p:nvPr/>
+        </p:nvGrpSpPr>
+        <p:grpSpPr>
+          <a:xfrm>
+            <a:off x="9930564" y="6271635"/>
+            <a:ext cx="704593" cy="38095"/>
+            <a:chOff x="9930564" y="6271635"/>
+            <a:chExt cx="704593" cy="38095"/>
+          </a:xfrm>
+        </p:grpSpPr>
+        <p:pic>
+          <p:nvPicPr>
+            <p:cNvPr id="19" name="Object 18"/>
+            <p:cNvPicPr>
+              <a:picLocks noChangeAspect="1"/>
+            </p:cNvPicPr>
+            <p:nvPr/>
+          </p:nvPicPr>
+          <p:blipFill>
+            <a:blip r:embed="rId5" cstate="print"/>
+            <a:stretch>
+              <a:fillRect/>
+            </a:stretch>
+          </p:blipFill>
+          <p:spPr>
+            <a:xfrm rot="7260000">
+              <a:off x="9930564" y="6271635"/>
+              <a:ext cx="704593" cy="38095"/>
+            </a:xfrm>
+            <a:prstGeom prst="rect">
+              <a:avLst/>
+            </a:prstGeom>
+          </p:spPr>
+        </p:pic>
+      </p:grpSp>
+      <p:grpSp>
+        <p:nvGrpSpPr>
+          <p:cNvPr id="1006" name="그룹 1006"/>
+          <p:cNvGrpSpPr/>
+          <p:nvPr/>
+        </p:nvGrpSpPr>
+        <p:grpSpPr>
+          <a:xfrm>
+            <a:off x="10462340" y="8250094"/>
+            <a:ext cx="3455797" cy="38095"/>
+            <a:chOff x="10462340" y="8250094"/>
+            <a:chExt cx="3455797" cy="38095"/>
+          </a:xfrm>
+        </p:grpSpPr>
+        <p:pic>
+          <p:nvPicPr>
+            <p:cNvPr id="22" name="Object 21"/>
+            <p:cNvPicPr>
+              <a:picLocks noChangeAspect="1"/>
+            </p:cNvPicPr>
+            <p:nvPr/>
+          </p:nvPicPr>
+          <p:blipFill>
+            <a:blip r:embed="rId6" cstate="print"/>
+            <a:stretch>
+              <a:fillRect/>
+            </a:stretch>
+          </p:blipFill>
+          <p:spPr>
+            <a:xfrm rot="540000">
+              <a:off x="10462340" y="8250094"/>
+              <a:ext cx="3455797" cy="38095"/>
+            </a:xfrm>
+            <a:prstGeom prst="rect">
+              <a:avLst/>
+            </a:prstGeom>
+          </p:spPr>
+        </p:pic>
+      </p:grpSp>
+      <p:sp>
+        <p:nvSpPr>
+          <p:cNvPr id="2" name="TextBox 1">
+            <a:extLst>
+              <a:ext uri="{FF2B5EF4-FFF2-40B4-BE49-F238E27FC236}">
+                <a16:creationId xmlns:a16="http://schemas.microsoft.com/office/drawing/2014/main" id="{0A81C69F-F331-5BCE-FABB-9B09E978ABE6}"/>
+              </a:ext>
+            </a:extLst>
+          </p:cNvPr>
+          <p:cNvSpPr txBox="1"/>
+          <p:nvPr/>
+        </p:nvSpPr>
+        <p:spPr>
+          <a:xfrm>
+            <a:off x="5867400" y="9130725"/>
+            <a:ext cx="7620000" cy="1077218"/>
+          </a:xfrm>
+          <a:prstGeom prst="rect">
+            <a:avLst/>
+          </a:prstGeom>
+          <a:noFill/>
+        </p:spPr>
+        <p:txBody>
+          <a:bodyPr wrap="square" rtlCol="0">
+            <a:spAutoFit/>
+          </a:bodyPr>
+          <a:lstStyle/>
+          <a:p>
+            <a:r>
+              <a:rPr lang="en-US" altLang="ko-KR" sz="3200" b="1" dirty="0"/>
+              <a:t>Esg_after_preprocessing.csv</a:t>
+            </a:r>
+            <a:r>
+              <a:rPr lang="ko-KR" altLang="en-US" sz="3200" b="1" dirty="0"/>
+              <a:t>에 </a:t>
+            </a:r>
+            <a:r>
+              <a:rPr lang="en-US" altLang="ko-KR" sz="3200" b="1" dirty="0"/>
+              <a:t>ESG_merge.csv</a:t>
+            </a:r>
+            <a:r>
+              <a:rPr lang="ko-KR" altLang="en-US" sz="3200" b="1" dirty="0"/>
+              <a:t>의 </a:t>
+            </a:r>
+            <a:r>
+              <a:rPr lang="ko-KR" altLang="en-US" sz="3200" b="1" dirty="0" err="1"/>
+              <a:t>전처리</a:t>
+            </a:r>
+            <a:r>
+              <a:rPr lang="ko-KR" altLang="en-US" sz="3200" b="1" dirty="0"/>
+              <a:t> 데이터 저장</a:t>
+            </a:r>
+          </a:p>
+        </p:txBody>
+      </p:sp>
+      <p:sp>
+        <p:nvSpPr>
+          <p:cNvPr id="4" name="TextBox 3">
+            <a:extLst>
+              <a:ext uri="{FF2B5EF4-FFF2-40B4-BE49-F238E27FC236}">
+                <a16:creationId xmlns:a16="http://schemas.microsoft.com/office/drawing/2014/main" id="{02DF49FC-8EE5-96F7-B0E6-53A6436A3B8F}"/>
+              </a:ext>
+            </a:extLst>
+          </p:cNvPr>
+          <p:cNvSpPr txBox="1"/>
+          <p:nvPr/>
+        </p:nvSpPr>
+        <p:spPr>
+          <a:xfrm>
+            <a:off x="6477000" y="1028700"/>
+            <a:ext cx="11353800" cy="830997"/>
+          </a:xfrm>
+          <a:prstGeom prst="rect">
+            <a:avLst/>
+          </a:prstGeom>
+          <a:noFill/>
+        </p:spPr>
+        <p:txBody>
+          <a:bodyPr wrap="square" rtlCol="0">
+            <a:spAutoFit/>
+          </a:bodyPr>
+          <a:lstStyle/>
+          <a:p>
+            <a:r>
+              <a:rPr lang="ko-KR" altLang="en-US" sz="4800" b="1" dirty="0"/>
+              <a:t>데이터 시각화</a:t>
+            </a:r>
+          </a:p>
+        </p:txBody>
+      </p:sp>
+      <p:pic>
+        <p:nvPicPr>
+          <p:cNvPr id="5" name="그림 4">
+            <a:extLst>
+              <a:ext uri="{FF2B5EF4-FFF2-40B4-BE49-F238E27FC236}">
+                <a16:creationId xmlns:a16="http://schemas.microsoft.com/office/drawing/2014/main" id="{75A74F83-EA08-CE9B-8483-FF7B895C8F82}"/>
+              </a:ext>
+            </a:extLst>
+          </p:cNvPr>
+          <p:cNvPicPr>
+            <a:picLocks noChangeAspect="1"/>
+          </p:cNvPicPr>
+          <p:nvPr/>
+        </p:nvPicPr>
+        <p:blipFill rotWithShape="1">
+          <a:blip r:embed="rId7"/>
+          <a:srcRect r="13026"/>
+          <a:stretch/>
+        </p:blipFill>
+        <p:spPr>
+          <a:xfrm>
+            <a:off x="557481" y="2277580"/>
+            <a:ext cx="6452919" cy="4324890"/>
+          </a:xfrm>
+          <a:prstGeom prst="rect">
+            <a:avLst/>
+          </a:prstGeom>
+        </p:spPr>
+      </p:pic>
+      <p:pic>
+        <p:nvPicPr>
+          <p:cNvPr id="8" name="그림 7">
+            <a:extLst>
+              <a:ext uri="{FF2B5EF4-FFF2-40B4-BE49-F238E27FC236}">
+                <a16:creationId xmlns:a16="http://schemas.microsoft.com/office/drawing/2014/main" id="{591BD6FD-20AD-BDF2-969C-1E2A16621C42}"/>
+              </a:ext>
+            </a:extLst>
+          </p:cNvPr>
+          <p:cNvPicPr>
+            <a:picLocks noChangeAspect="1"/>
+          </p:cNvPicPr>
+          <p:nvPr/>
+        </p:nvPicPr>
+        <p:blipFill>
+          <a:blip r:embed="rId8"/>
+          <a:stretch>
+            <a:fillRect/>
+          </a:stretch>
+        </p:blipFill>
+        <p:spPr>
+          <a:xfrm>
+            <a:off x="9364177" y="3269645"/>
+            <a:ext cx="5579445" cy="2709250"/>
+          </a:xfrm>
+          <a:prstGeom prst="rect">
+            <a:avLst/>
+          </a:prstGeom>
+        </p:spPr>
+      </p:pic>
+      <p:pic>
+        <p:nvPicPr>
+          <p:cNvPr id="12" name="그림 11">
+            <a:extLst>
+              <a:ext uri="{FF2B5EF4-FFF2-40B4-BE49-F238E27FC236}">
+                <a16:creationId xmlns:a16="http://schemas.microsoft.com/office/drawing/2014/main" id="{5C9251E7-5A2D-65A1-BDE1-49962BF34654}"/>
+              </a:ext>
+            </a:extLst>
+          </p:cNvPr>
+          <p:cNvPicPr>
+            <a:picLocks noChangeAspect="1"/>
+          </p:cNvPicPr>
+          <p:nvPr/>
+        </p:nvPicPr>
+        <p:blipFill>
+          <a:blip r:embed="rId9"/>
+          <a:stretch>
+            <a:fillRect/>
+          </a:stretch>
+        </p:blipFill>
+        <p:spPr>
+          <a:xfrm>
+            <a:off x="1377326" y="6852905"/>
+            <a:ext cx="4114959" cy="3285002"/>
+          </a:xfrm>
+          <a:prstGeom prst="rect">
+            <a:avLst/>
+          </a:prstGeom>
+        </p:spPr>
+      </p:pic>
+      <p:pic>
+        <p:nvPicPr>
+          <p:cNvPr id="15" name="그림 14">
+            <a:extLst>
+              <a:ext uri="{FF2B5EF4-FFF2-40B4-BE49-F238E27FC236}">
+                <a16:creationId xmlns:a16="http://schemas.microsoft.com/office/drawing/2014/main" id="{9C34EF6C-8471-99CA-44AE-B437BD539156}"/>
+              </a:ext>
+            </a:extLst>
+          </p:cNvPr>
+          <p:cNvPicPr>
+            <a:picLocks noChangeAspect="1"/>
+          </p:cNvPicPr>
+          <p:nvPr/>
+        </p:nvPicPr>
+        <p:blipFill>
+          <a:blip r:embed="rId10"/>
+          <a:stretch>
+            <a:fillRect/>
+          </a:stretch>
+        </p:blipFill>
+        <p:spPr>
+          <a:xfrm>
+            <a:off x="12697817" y="6191283"/>
+            <a:ext cx="4311845" cy="3449476"/>
+          </a:xfrm>
+          <a:prstGeom prst="rect">
+            <a:avLst/>
+          </a:prstGeom>
+        </p:spPr>
+      </p:pic>
+    </p:spTree>
+    <p:extLst>
+      <p:ext uri="{BB962C8B-B14F-4D97-AF65-F5344CB8AC3E}">
+        <p14:creationId xmlns:p14="http://schemas.microsoft.com/office/powerpoint/2010/main" val="1985701088"/>
+      </p:ext>
+    </p:extLst>
+  </p:cSld>
+  <p:clrMapOvr>
+    <a:masterClrMapping/>
+  </p:clrMapOvr>
+</p:sld>
+</file>
+
+<file path=ppt/slides/slide7.xml><?xml version="1.0" encoding="utf-8"?>
+<p:sld xmlns:a="http://schemas.openxmlformats.org/drawingml/2006/main" xmlns:r="http://schemas.openxmlformats.org/officeDocument/2006/relationships" xmlns:p="http://schemas.openxmlformats.org/presentationml/2006/main">
+  <p:cSld>
+    <p:spTree>
+      <p:nvGrpSpPr>
+        <p:cNvPr id="1" name=""/>
+        <p:cNvGrpSpPr/>
+        <p:nvPr/>
+      </p:nvGrpSpPr>
+      <p:grpSpPr>
+        <a:xfrm>
+          <a:off x="0" y="0"/>
+          <a:ext cx="0" cy="0"/>
+          <a:chOff x="0" y="0"/>
+          <a:chExt cx="0" cy="0"/>
+        </a:xfrm>
+      </p:grpSpPr>
+      <p:grpSp>
+        <p:nvGrpSpPr>
+          <p:cNvPr id="1002" name="그룹 1002"/>
+          <p:cNvGrpSpPr/>
+          <p:nvPr/>
+        </p:nvGrpSpPr>
+        <p:grpSpPr>
+          <a:xfrm>
+            <a:off x="8117705" y="6435973"/>
+            <a:ext cx="2709249" cy="2709249"/>
+            <a:chOff x="8117705" y="6435973"/>
+            <a:chExt cx="2709249" cy="2709249"/>
+          </a:xfrm>
+        </p:grpSpPr>
+        <p:pic>
+          <p:nvPicPr>
+            <p:cNvPr id="10" name="Object 9"/>
+            <p:cNvPicPr>
+              <a:picLocks noChangeAspect="1"/>
+            </p:cNvPicPr>
+            <p:nvPr/>
+          </p:nvPicPr>
+          <p:blipFill>
+            <a:blip r:embed="rId2" cstate="print"/>
+            <a:stretch>
+              <a:fillRect/>
+            </a:stretch>
+          </p:blipFill>
+          <p:spPr>
+            <a:xfrm>
+              <a:off x="8117705" y="6435973"/>
+              <a:ext cx="2709249" cy="2709249"/>
+            </a:xfrm>
+            <a:prstGeom prst="rect">
+              <a:avLst/>
+            </a:prstGeom>
+          </p:spPr>
+        </p:pic>
+      </p:grpSp>
+      <p:grpSp>
+        <p:nvGrpSpPr>
+          <p:cNvPr id="1003" name="그룹 1003"/>
+          <p:cNvGrpSpPr/>
+          <p:nvPr/>
+        </p:nvGrpSpPr>
+        <p:grpSpPr>
+          <a:xfrm>
+            <a:off x="5218393" y="8645346"/>
+            <a:ext cx="3115387" cy="38095"/>
+            <a:chOff x="5218393" y="8645346"/>
+            <a:chExt cx="3115387" cy="38095"/>
+          </a:xfrm>
+        </p:grpSpPr>
+        <p:pic>
+          <p:nvPicPr>
+            <p:cNvPr id="13" name="Object 12"/>
+            <p:cNvPicPr>
+              <a:picLocks noChangeAspect="1"/>
+            </p:cNvPicPr>
+            <p:nvPr/>
+          </p:nvPicPr>
+          <p:blipFill>
+            <a:blip r:embed="rId3" cstate="print"/>
+            <a:stretch>
+              <a:fillRect/>
+            </a:stretch>
+          </p:blipFill>
+          <p:spPr>
+            <a:xfrm rot="-1020000">
+              <a:off x="5218393" y="8645346"/>
+              <a:ext cx="3115387" cy="38095"/>
+            </a:xfrm>
+            <a:prstGeom prst="rect">
+              <a:avLst/>
+            </a:prstGeom>
+          </p:spPr>
+        </p:pic>
+      </p:grpSp>
+      <p:grpSp>
+        <p:nvGrpSpPr>
+          <p:cNvPr id="1004" name="그룹 1004"/>
+          <p:cNvGrpSpPr/>
+          <p:nvPr/>
+        </p:nvGrpSpPr>
+        <p:grpSpPr>
+          <a:xfrm>
+            <a:off x="6483928" y="6857671"/>
+            <a:ext cx="1924124" cy="38095"/>
+            <a:chOff x="6483928" y="6857671"/>
+            <a:chExt cx="1924124" cy="38095"/>
+          </a:xfrm>
+        </p:grpSpPr>
+        <p:pic>
+          <p:nvPicPr>
+            <p:cNvPr id="16" name="Object 15"/>
+            <p:cNvPicPr>
+              <a:picLocks noChangeAspect="1"/>
+            </p:cNvPicPr>
+            <p:nvPr/>
+          </p:nvPicPr>
+          <p:blipFill>
+            <a:blip r:embed="rId4" cstate="print"/>
+            <a:stretch>
+              <a:fillRect/>
+            </a:stretch>
+          </p:blipFill>
+          <p:spPr>
+            <a:xfrm rot="1740000">
+              <a:off x="6483928" y="6857671"/>
+              <a:ext cx="1924124" cy="38095"/>
+            </a:xfrm>
+            <a:prstGeom prst="rect">
+              <a:avLst/>
+            </a:prstGeom>
+          </p:spPr>
+        </p:pic>
+      </p:grpSp>
+      <p:grpSp>
+        <p:nvGrpSpPr>
+          <p:cNvPr id="1005" name="그룹 1005"/>
+          <p:cNvGrpSpPr/>
+          <p:nvPr/>
+        </p:nvGrpSpPr>
+        <p:grpSpPr>
+          <a:xfrm>
+            <a:off x="9930564" y="6271635"/>
+            <a:ext cx="704593" cy="38095"/>
+            <a:chOff x="9930564" y="6271635"/>
+            <a:chExt cx="704593" cy="38095"/>
+          </a:xfrm>
+        </p:grpSpPr>
+        <p:pic>
+          <p:nvPicPr>
+            <p:cNvPr id="19" name="Object 18"/>
+            <p:cNvPicPr>
+              <a:picLocks noChangeAspect="1"/>
+            </p:cNvPicPr>
+            <p:nvPr/>
+          </p:nvPicPr>
+          <p:blipFill>
+            <a:blip r:embed="rId5" cstate="print"/>
+            <a:stretch>
+              <a:fillRect/>
+            </a:stretch>
+          </p:blipFill>
+          <p:spPr>
+            <a:xfrm rot="7260000">
+              <a:off x="9930564" y="6271635"/>
+              <a:ext cx="704593" cy="38095"/>
+            </a:xfrm>
+            <a:prstGeom prst="rect">
+              <a:avLst/>
+            </a:prstGeom>
+          </p:spPr>
+        </p:pic>
+      </p:grpSp>
+      <p:grpSp>
+        <p:nvGrpSpPr>
+          <p:cNvPr id="1006" name="그룹 1006"/>
+          <p:cNvGrpSpPr/>
+          <p:nvPr/>
+        </p:nvGrpSpPr>
+        <p:grpSpPr>
+          <a:xfrm>
+            <a:off x="10462340" y="8250094"/>
+            <a:ext cx="3455797" cy="38095"/>
+            <a:chOff x="10462340" y="8250094"/>
+            <a:chExt cx="3455797" cy="38095"/>
+          </a:xfrm>
+        </p:grpSpPr>
+        <p:pic>
+          <p:nvPicPr>
+            <p:cNvPr id="22" name="Object 21"/>
+            <p:cNvPicPr>
+              <a:picLocks noChangeAspect="1"/>
+            </p:cNvPicPr>
+            <p:nvPr/>
+          </p:nvPicPr>
+          <p:blipFill>
+            <a:blip r:embed="rId6" cstate="print"/>
+            <a:stretch>
+              <a:fillRect/>
+            </a:stretch>
+          </p:blipFill>
+          <p:spPr>
+            <a:xfrm rot="540000">
+              <a:off x="10462340" y="8250094"/>
+              <a:ext cx="3455797" cy="38095"/>
+            </a:xfrm>
+            <a:prstGeom prst="rect">
+              <a:avLst/>
+            </a:prstGeom>
+          </p:spPr>
+        </p:pic>
+      </p:grpSp>
+      <p:sp>
+        <p:nvSpPr>
+          <p:cNvPr id="2" name="TextBox 1">
+            <a:extLst>
+              <a:ext uri="{FF2B5EF4-FFF2-40B4-BE49-F238E27FC236}">
+                <a16:creationId xmlns:a16="http://schemas.microsoft.com/office/drawing/2014/main" id="{0A81C69F-F331-5BCE-FABB-9B09E978ABE6}"/>
+              </a:ext>
+            </a:extLst>
+          </p:cNvPr>
+          <p:cNvSpPr txBox="1"/>
+          <p:nvPr/>
+        </p:nvSpPr>
+        <p:spPr>
+          <a:xfrm>
+            <a:off x="5867400" y="9130725"/>
+            <a:ext cx="7620000" cy="1077218"/>
+          </a:xfrm>
+          <a:prstGeom prst="rect">
+            <a:avLst/>
+          </a:prstGeom>
+          <a:noFill/>
+        </p:spPr>
+        <p:txBody>
+          <a:bodyPr wrap="square" rtlCol="0">
+            <a:spAutoFit/>
+          </a:bodyPr>
+          <a:lstStyle/>
+          <a:p>
+            <a:r>
+              <a:rPr lang="en-US" altLang="ko-KR" sz="3200" b="1" dirty="0"/>
+              <a:t>Esg_regression_preprocessing.csv</a:t>
+            </a:r>
+            <a:r>
+              <a:rPr lang="ko-KR" altLang="en-US" sz="3200" b="1" dirty="0"/>
+              <a:t>에 </a:t>
+            </a:r>
+            <a:r>
+              <a:rPr lang="en-US" altLang="ko-KR" sz="3200" b="1" dirty="0"/>
+              <a:t>ESG_merge.csv</a:t>
+            </a:r>
+            <a:r>
+              <a:rPr lang="ko-KR" altLang="en-US" sz="3200" b="1" dirty="0"/>
+              <a:t>의 </a:t>
+            </a:r>
+            <a:r>
+              <a:rPr lang="ko-KR" altLang="en-US" sz="3200" b="1" dirty="0" err="1"/>
+              <a:t>전처리</a:t>
+            </a:r>
+            <a:r>
+              <a:rPr lang="ko-KR" altLang="en-US" sz="3200" b="1" dirty="0"/>
+              <a:t> 데이터 저장</a:t>
+            </a:r>
+          </a:p>
+        </p:txBody>
+      </p:sp>
+      <p:sp>
+        <p:nvSpPr>
+          <p:cNvPr id="4" name="TextBox 3">
+            <a:extLst>
+              <a:ext uri="{FF2B5EF4-FFF2-40B4-BE49-F238E27FC236}">
+                <a16:creationId xmlns:a16="http://schemas.microsoft.com/office/drawing/2014/main" id="{02DF49FC-8EE5-96F7-B0E6-53A6436A3B8F}"/>
+              </a:ext>
+            </a:extLst>
+          </p:cNvPr>
+          <p:cNvSpPr txBox="1"/>
+          <p:nvPr/>
+        </p:nvSpPr>
+        <p:spPr>
+          <a:xfrm>
+            <a:off x="6477000" y="1028700"/>
+            <a:ext cx="11353800" cy="830997"/>
+          </a:xfrm>
+          <a:prstGeom prst="rect">
+            <a:avLst/>
+          </a:prstGeom>
+          <a:noFill/>
+        </p:spPr>
+        <p:txBody>
+          <a:bodyPr wrap="square" rtlCol="0">
+            <a:spAutoFit/>
+          </a:bodyPr>
+          <a:lstStyle/>
+          <a:p>
+            <a:r>
+              <a:rPr lang="ko-KR" altLang="en-US" sz="4800" b="1" dirty="0"/>
+              <a:t>데이터 시각화</a:t>
+            </a:r>
+          </a:p>
+        </p:txBody>
+      </p:sp>
+      <p:pic>
+        <p:nvPicPr>
+          <p:cNvPr id="6" name="그림 5">
+            <a:extLst>
+              <a:ext uri="{FF2B5EF4-FFF2-40B4-BE49-F238E27FC236}">
+                <a16:creationId xmlns:a16="http://schemas.microsoft.com/office/drawing/2014/main" id="{432FEF9A-EA81-361A-A563-B889C5466607}"/>
+              </a:ext>
+            </a:extLst>
+          </p:cNvPr>
+          <p:cNvPicPr>
+            <a:picLocks noChangeAspect="1"/>
+          </p:cNvPicPr>
+          <p:nvPr/>
+        </p:nvPicPr>
+        <p:blipFill>
+          <a:blip r:embed="rId7"/>
+          <a:stretch>
+            <a:fillRect/>
+          </a:stretch>
+        </p:blipFill>
+        <p:spPr>
+          <a:xfrm>
+            <a:off x="2576537" y="3449608"/>
+            <a:ext cx="3639122" cy="3486787"/>
+          </a:xfrm>
+          <a:prstGeom prst="rect">
+            <a:avLst/>
+          </a:prstGeom>
+        </p:spPr>
+      </p:pic>
+      <p:pic>
+        <p:nvPicPr>
+          <p:cNvPr id="9" name="그림 8">
+            <a:extLst>
+              <a:ext uri="{FF2B5EF4-FFF2-40B4-BE49-F238E27FC236}">
+                <a16:creationId xmlns:a16="http://schemas.microsoft.com/office/drawing/2014/main" id="{B669B210-8A3A-3B48-6297-881F9A0AB98C}"/>
+              </a:ext>
+            </a:extLst>
+          </p:cNvPr>
+          <p:cNvPicPr>
+            <a:picLocks noChangeAspect="1"/>
+          </p:cNvPicPr>
+          <p:nvPr/>
+        </p:nvPicPr>
+        <p:blipFill>
+          <a:blip r:embed="rId8"/>
+          <a:stretch>
+            <a:fillRect/>
+          </a:stretch>
+        </p:blipFill>
+        <p:spPr>
+          <a:xfrm>
+            <a:off x="8489776" y="2719610"/>
+            <a:ext cx="6220651" cy="3716363"/>
+          </a:xfrm>
+          <a:prstGeom prst="rect">
+            <a:avLst/>
+          </a:prstGeom>
+        </p:spPr>
+      </p:pic>
+      <p:pic>
+        <p:nvPicPr>
+          <p:cNvPr id="14" name="그림 13">
+            <a:extLst>
+              <a:ext uri="{FF2B5EF4-FFF2-40B4-BE49-F238E27FC236}">
+                <a16:creationId xmlns:a16="http://schemas.microsoft.com/office/drawing/2014/main" id="{45148485-40D1-BEE9-6251-A6B6E219A6D0}"/>
+              </a:ext>
+            </a:extLst>
+          </p:cNvPr>
+          <p:cNvPicPr>
+            <a:picLocks noChangeAspect="1"/>
+          </p:cNvPicPr>
+          <p:nvPr/>
+        </p:nvPicPr>
+        <p:blipFill>
+          <a:blip r:embed="rId9"/>
+          <a:stretch>
+            <a:fillRect/>
+          </a:stretch>
+        </p:blipFill>
+        <p:spPr>
+          <a:xfrm>
+            <a:off x="889807" y="7142796"/>
+            <a:ext cx="4476556" cy="2830923"/>
+          </a:xfrm>
+          <a:prstGeom prst="rect">
+            <a:avLst/>
+          </a:prstGeom>
+        </p:spPr>
+      </p:pic>
+      <p:pic>
+        <p:nvPicPr>
+          <p:cNvPr id="18" name="그림 17">
+            <a:extLst>
+              <a:ext uri="{FF2B5EF4-FFF2-40B4-BE49-F238E27FC236}">
+                <a16:creationId xmlns:a16="http://schemas.microsoft.com/office/drawing/2014/main" id="{1F341AB3-FE39-69CB-FF88-65DDCFF21BFA}"/>
+              </a:ext>
+            </a:extLst>
+          </p:cNvPr>
+          <p:cNvPicPr>
+            <a:picLocks noChangeAspect="1"/>
+          </p:cNvPicPr>
+          <p:nvPr/>
+        </p:nvPicPr>
+        <p:blipFill>
+          <a:blip r:embed="rId10"/>
+          <a:stretch>
+            <a:fillRect/>
+          </a:stretch>
+        </p:blipFill>
+        <p:spPr>
+          <a:xfrm>
+            <a:off x="12893626" y="6663031"/>
+            <a:ext cx="4232324" cy="3055441"/>
+          </a:xfrm>
+          <a:prstGeom prst="rect">
+            <a:avLst/>
+          </a:prstGeom>
+        </p:spPr>
+      </p:pic>
+    </p:spTree>
+    <p:extLst>
+      <p:ext uri="{BB962C8B-B14F-4D97-AF65-F5344CB8AC3E}">
+        <p14:creationId xmlns:p14="http://schemas.microsoft.com/office/powerpoint/2010/main" val="4270013517"/>
+      </p:ext>
+    </p:extLst>
+  </p:cSld>
+  <p:clrMapOvr>
+    <a:masterClrMapping/>
+  </p:clrMapOvr>
+</p:sld>
+</file>
+
+<file path=ppt/slides/slide8.xml><?xml version="1.0" encoding="utf-8"?>
+<p:sld xmlns:a="http://schemas.openxmlformats.org/drawingml/2006/main" xmlns:r="http://schemas.openxmlformats.org/officeDocument/2006/relationships" xmlns:p="http://schemas.openxmlformats.org/presentationml/2006/main">
+  <p:cSld>
+    <p:spTree>
+      <p:nvGrpSpPr>
+        <p:cNvPr id="1" name=""/>
+        <p:cNvGrpSpPr/>
+        <p:nvPr/>
+      </p:nvGrpSpPr>
+      <p:grpSpPr>
+        <a:xfrm>
+          <a:off x="0" y="0"/>
+          <a:ext cx="0" cy="0"/>
+          <a:chOff x="0" y="0"/>
+          <a:chExt cx="0" cy="0"/>
+        </a:xfrm>
+      </p:grpSpPr>
+      <p:grpSp>
+        <p:nvGrpSpPr>
+          <p:cNvPr id="1001" name="그룹 1001"/>
+          <p:cNvGrpSpPr/>
+          <p:nvPr/>
+        </p:nvGrpSpPr>
+        <p:grpSpPr>
+          <a:xfrm>
+            <a:off x="2242776" y="3201072"/>
+            <a:ext cx="6703925" cy="5649863"/>
+            <a:chOff x="2242776" y="3201072"/>
+            <a:chExt cx="6703925" cy="5649863"/>
+          </a:xfrm>
+        </p:grpSpPr>
+        <p:pic>
+          <p:nvPicPr>
+            <p:cNvPr id="3" name="Object 2"/>
+            <p:cNvPicPr>
+              <a:picLocks noChangeAspect="1"/>
+            </p:cNvPicPr>
+            <p:nvPr/>
+          </p:nvPicPr>
+          <p:blipFill>
+            <a:blip r:embed="rId2" cstate="print"/>
+            <a:stretch>
+              <a:fillRect/>
+            </a:stretch>
+          </p:blipFill>
+          <p:spPr>
+            <a:xfrm>
+              <a:off x="-740412" y="744914"/>
+              <a:ext cx="13407850" cy="11299726"/>
+            </a:xfrm>
+            <a:prstGeom prst="rect">
+              <a:avLst/>
+            </a:prstGeom>
+          </p:spPr>
+        </p:pic>
+        <p:pic>
+          <p:nvPicPr>
+            <p:cNvPr id="4" name="Object 3"/>
+            <p:cNvPicPr>
+              <a:picLocks noChangeAspect="1"/>
+            </p:cNvPicPr>
+            <p:nvPr/>
+          </p:nvPicPr>
+          <p:blipFill>
+            <a:blip r:embed="rId3" cstate="print"/>
+            <a:stretch>
+              <a:fillRect/>
+            </a:stretch>
+          </p:blipFill>
+          <p:spPr>
+            <a:xfrm>
+              <a:off x="2242776" y="3201072"/>
+              <a:ext cx="6703925" cy="5649863"/>
+            </a:xfrm>
+            <a:prstGeom prst="rect">
+              <a:avLst/>
+            </a:prstGeom>
+          </p:spPr>
+        </p:pic>
+      </p:grpSp>
+      <p:grpSp>
+        <p:nvGrpSpPr>
+          <p:cNvPr id="1002" name="그룹 1002"/>
+          <p:cNvGrpSpPr/>
+          <p:nvPr/>
+        </p:nvGrpSpPr>
+        <p:grpSpPr>
+          <a:xfrm>
+            <a:off x="9339013" y="3201072"/>
+            <a:ext cx="6703925" cy="5649863"/>
+            <a:chOff x="9339013" y="3201072"/>
+            <a:chExt cx="6703925" cy="5649863"/>
+          </a:xfrm>
+        </p:grpSpPr>
+        <p:pic>
+          <p:nvPicPr>
+            <p:cNvPr id="9" name="Object 8"/>
+            <p:cNvPicPr>
+              <a:picLocks noChangeAspect="1"/>
+            </p:cNvPicPr>
+            <p:nvPr/>
+          </p:nvPicPr>
+          <p:blipFill>
+            <a:blip r:embed="rId2" cstate="print"/>
+            <a:stretch>
+              <a:fillRect/>
+            </a:stretch>
+          </p:blipFill>
+          <p:spPr>
+            <a:xfrm>
+              <a:off x="6355825" y="744914"/>
+              <a:ext cx="13407850" cy="11299726"/>
+            </a:xfrm>
+            <a:prstGeom prst="rect">
+              <a:avLst/>
+            </a:prstGeom>
+          </p:spPr>
+        </p:pic>
+        <p:pic>
+          <p:nvPicPr>
+            <p:cNvPr id="10" name="Object 9"/>
+            <p:cNvPicPr>
+              <a:picLocks noChangeAspect="1"/>
+            </p:cNvPicPr>
+            <p:nvPr/>
+          </p:nvPicPr>
+          <p:blipFill>
+            <a:blip r:embed="rId3" cstate="print"/>
+            <a:stretch>
+              <a:fillRect/>
+            </a:stretch>
+          </p:blipFill>
+          <p:spPr>
+            <a:xfrm>
+              <a:off x="9339013" y="3201072"/>
+              <a:ext cx="6703925" cy="5649863"/>
+            </a:xfrm>
+            <a:prstGeom prst="rect">
+              <a:avLst/>
+            </a:prstGeom>
+          </p:spPr>
+        </p:pic>
+      </p:grpSp>
       <p:grpSp>
         <p:nvGrpSpPr>
           <p:cNvPr id="1003" name="그룹 1003"/>
@@ -5892,223 +6987,6 @@
 </p:sld>
 </file>
 
-<file path=ppt/slides/slide7.xml><?xml version="1.0" encoding="utf-8"?>
-<p:sld xmlns:a="http://schemas.openxmlformats.org/drawingml/2006/main" xmlns:r="http://schemas.openxmlformats.org/officeDocument/2006/relationships" xmlns:p="http://schemas.openxmlformats.org/presentationml/2006/main">
-  <p:cSld>
-    <p:spTree>
-      <p:nvGrpSpPr>
-        <p:cNvPr id="1" name=""/>
-        <p:cNvGrpSpPr/>
-        <p:nvPr/>
-      </p:nvGrpSpPr>
-      <p:grpSpPr>
-        <a:xfrm>
-          <a:off x="0" y="0"/>
-          <a:ext cx="0" cy="0"/>
-          <a:chOff x="0" y="0"/>
-          <a:chExt cx="0" cy="0"/>
-        </a:xfrm>
-      </p:grpSpPr>
-      <p:sp>
-        <p:nvSpPr>
-          <p:cNvPr id="2" name="제목 1">
-            <a:extLst>
-              <a:ext uri="{FF2B5EF4-FFF2-40B4-BE49-F238E27FC236}">
-                <a16:creationId xmlns:a16="http://schemas.microsoft.com/office/drawing/2014/main" id="{FB3240EB-EDE5-D804-2647-4A99B056E9A1}"/>
-              </a:ext>
-            </a:extLst>
-          </p:cNvPr>
-          <p:cNvSpPr>
-            <a:spLocks noGrp="1"/>
-          </p:cNvSpPr>
-          <p:nvPr>
-            <p:ph type="ctrTitle"/>
-          </p:nvPr>
-        </p:nvSpPr>
-        <p:spPr/>
-        <p:txBody>
-          <a:bodyPr/>
-          <a:lstStyle/>
-          <a:p>
-            <a:endParaRPr lang="ko-KR" altLang="en-US"/>
-          </a:p>
-        </p:txBody>
-      </p:sp>
-      <p:sp>
-        <p:nvSpPr>
-          <p:cNvPr id="3" name="부제목 2">
-            <a:extLst>
-              <a:ext uri="{FF2B5EF4-FFF2-40B4-BE49-F238E27FC236}">
-                <a16:creationId xmlns:a16="http://schemas.microsoft.com/office/drawing/2014/main" id="{454E1D8D-C47D-B79C-9D2D-6FB5B935042B}"/>
-              </a:ext>
-            </a:extLst>
-          </p:cNvPr>
-          <p:cNvSpPr>
-            <a:spLocks noGrp="1"/>
-          </p:cNvSpPr>
-          <p:nvPr>
-            <p:ph type="subTitle" idx="1"/>
-          </p:nvPr>
-        </p:nvSpPr>
-        <p:spPr/>
-        <p:txBody>
-          <a:bodyPr/>
-          <a:lstStyle/>
-          <a:p>
-            <a:endParaRPr lang="ko-KR" altLang="en-US"/>
-          </a:p>
-        </p:txBody>
-      </p:sp>
-      <p:pic>
-        <p:nvPicPr>
-          <p:cNvPr id="5" name="그림 4">
-            <a:extLst>
-              <a:ext uri="{FF2B5EF4-FFF2-40B4-BE49-F238E27FC236}">
-                <a16:creationId xmlns:a16="http://schemas.microsoft.com/office/drawing/2014/main" id="{2FE14A25-0CB2-3CAB-7894-FFDC62DF261D}"/>
-              </a:ext>
-            </a:extLst>
-          </p:cNvPr>
-          <p:cNvPicPr>
-            <a:picLocks noChangeAspect="1"/>
-          </p:cNvPicPr>
-          <p:nvPr/>
-        </p:nvPicPr>
-        <p:blipFill>
-          <a:blip r:embed="rId2"/>
-          <a:stretch>
-            <a:fillRect/>
-          </a:stretch>
-        </p:blipFill>
-        <p:spPr>
-          <a:xfrm>
-            <a:off x="589356" y="4057498"/>
-            <a:ext cx="17109288" cy="2172003"/>
-          </a:xfrm>
-          <a:prstGeom prst="rect">
-            <a:avLst/>
-          </a:prstGeom>
-        </p:spPr>
-      </p:pic>
-    </p:spTree>
-    <p:extLst>
-      <p:ext uri="{BB962C8B-B14F-4D97-AF65-F5344CB8AC3E}">
-        <p14:creationId xmlns:p14="http://schemas.microsoft.com/office/powerpoint/2010/main" val="4280698265"/>
-      </p:ext>
-    </p:extLst>
-  </p:cSld>
-  <p:clrMapOvr>
-    <a:masterClrMapping/>
-  </p:clrMapOvr>
-</p:sld>
-</file>
-
-<file path=ppt/slides/slide8.xml><?xml version="1.0" encoding="utf-8"?>
-<p:sld xmlns:a="http://schemas.openxmlformats.org/drawingml/2006/main" xmlns:r="http://schemas.openxmlformats.org/officeDocument/2006/relationships" xmlns:p="http://schemas.openxmlformats.org/presentationml/2006/main">
-  <p:cSld name="Slide 32">
-    <p:bg>
-      <p:bgPr>
-        <a:solidFill>
-          <a:srgbClr val="000000"/>
-        </a:solidFill>
-        <a:effectLst/>
-      </p:bgPr>
-    </p:bg>
-    <p:spTree>
-      <p:nvGrpSpPr>
-        <p:cNvPr id="1" name=""/>
-        <p:cNvGrpSpPr/>
-        <p:nvPr/>
-      </p:nvGrpSpPr>
-      <p:grpSpPr>
-        <a:xfrm>
-          <a:off x="0" y="0"/>
-          <a:ext cx="0" cy="0"/>
-          <a:chOff x="0" y="0"/>
-          <a:chExt cx="0" cy="0"/>
-        </a:xfrm>
-      </p:grpSpPr>
-      <p:grpSp>
-        <p:nvGrpSpPr>
-          <p:cNvPr id="1001" name="그룹 1001"/>
-          <p:cNvGrpSpPr/>
-          <p:nvPr/>
-        </p:nvGrpSpPr>
-        <p:grpSpPr>
-          <a:xfrm>
-            <a:off x="0" y="-1634442"/>
-            <a:ext cx="18285714" cy="14628571"/>
-            <a:chOff x="0" y="-1634442"/>
-            <a:chExt cx="18285714" cy="14628571"/>
-          </a:xfrm>
-        </p:grpSpPr>
-        <p:pic>
-          <p:nvPicPr>
-            <p:cNvPr id="3" name="Object 2"/>
-            <p:cNvPicPr>
-              <a:picLocks noChangeAspect="1"/>
-            </p:cNvPicPr>
-            <p:nvPr/>
-          </p:nvPicPr>
-          <p:blipFill>
-            <a:blip r:embed="rId2" cstate="print"/>
-            <a:stretch>
-              <a:fillRect/>
-            </a:stretch>
-          </p:blipFill>
-          <p:spPr>
-            <a:xfrm>
-              <a:off x="0" y="-1634442"/>
-              <a:ext cx="18285714" cy="14628571"/>
-            </a:xfrm>
-            <a:prstGeom prst="rect">
-              <a:avLst/>
-            </a:prstGeom>
-          </p:spPr>
-        </p:pic>
-      </p:grpSp>
-      <p:sp>
-        <p:nvSpPr>
-          <p:cNvPr id="2" name="TextBox 1">
-            <a:extLst>
-              <a:ext uri="{FF2B5EF4-FFF2-40B4-BE49-F238E27FC236}">
-                <a16:creationId xmlns:a16="http://schemas.microsoft.com/office/drawing/2014/main" id="{580F6BAA-5E70-217B-F9D0-1C6B4DC42592}"/>
-              </a:ext>
-            </a:extLst>
-          </p:cNvPr>
-          <p:cNvSpPr txBox="1"/>
-          <p:nvPr/>
-        </p:nvSpPr>
-        <p:spPr>
-          <a:xfrm>
-            <a:off x="7729537" y="4660403"/>
-            <a:ext cx="11506200" cy="769441"/>
-          </a:xfrm>
-          <a:prstGeom prst="rect">
-            <a:avLst/>
-          </a:prstGeom>
-          <a:noFill/>
-        </p:spPr>
-        <p:txBody>
-          <a:bodyPr wrap="square" rtlCol="0">
-            <a:spAutoFit/>
-          </a:bodyPr>
-          <a:lstStyle/>
-          <a:p>
-            <a:r>
-              <a:rPr lang="ko-KR" altLang="en-US" sz="4400" b="1" dirty="0"/>
-              <a:t>분업 내용</a:t>
-            </a:r>
-          </a:p>
-        </p:txBody>
-      </p:sp>
-    </p:spTree>
-  </p:cSld>
-  <p:clrMapOvr>
-    <a:masterClrMapping/>
-  </p:clrMapOvr>
-</p:sld>
-</file>
-
 <file path=ppt/slides/slide9.xml><?xml version="1.0" encoding="utf-8"?>
 <p:sld xmlns:a="http://schemas.openxmlformats.org/drawingml/2006/main" xmlns:r="http://schemas.openxmlformats.org/officeDocument/2006/relationships" xmlns:p="http://schemas.openxmlformats.org/presentationml/2006/main">
   <p:cSld>
@@ -6126,84 +7004,90 @@
           <a:chExt cx="0" cy="0"/>
         </a:xfrm>
       </p:grpSpPr>
-      <p:grpSp>
-        <p:nvGrpSpPr>
-          <p:cNvPr id="1001" name="그룹 1001"/>
-          <p:cNvGrpSpPr/>
-          <p:nvPr/>
-        </p:nvGrpSpPr>
-        <p:grpSpPr>
-          <a:xfrm>
-            <a:off x="0" y="-1634442"/>
-            <a:ext cx="18285714" cy="14628571"/>
-            <a:chOff x="0" y="-1634442"/>
-            <a:chExt cx="18285714" cy="14628571"/>
-          </a:xfrm>
-        </p:grpSpPr>
-        <p:pic>
-          <p:nvPicPr>
-            <p:cNvPr id="3" name="Object 2"/>
-            <p:cNvPicPr>
-              <a:picLocks noChangeAspect="1"/>
-            </p:cNvPicPr>
-            <p:nvPr/>
-          </p:nvPicPr>
-          <p:blipFill>
-            <a:blip r:embed="rId2" cstate="print"/>
-            <a:stretch>
-              <a:fillRect/>
-            </a:stretch>
-          </p:blipFill>
-          <p:spPr>
-            <a:xfrm>
-              <a:off x="0" y="-1634442"/>
-              <a:ext cx="18285714" cy="14628571"/>
-            </a:xfrm>
-            <a:prstGeom prst="rect">
-              <a:avLst/>
-            </a:prstGeom>
-          </p:spPr>
-        </p:pic>
-      </p:grpSp>
-      <p:sp>
-        <p:nvSpPr>
-          <p:cNvPr id="2" name="TextBox 1">
+      <p:sp>
+        <p:nvSpPr>
+          <p:cNvPr id="2" name="제목 1">
             <a:extLst>
               <a:ext uri="{FF2B5EF4-FFF2-40B4-BE49-F238E27FC236}">
-                <a16:creationId xmlns:a16="http://schemas.microsoft.com/office/drawing/2014/main" id="{580F6BAA-5E70-217B-F9D0-1C6B4DC42592}"/>
+                <a16:creationId xmlns:a16="http://schemas.microsoft.com/office/drawing/2014/main" id="{FB3240EB-EDE5-D804-2647-4A99B056E9A1}"/>
               </a:ext>
             </a:extLst>
           </p:cNvPr>
-          <p:cNvSpPr txBox="1"/>
-          <p:nvPr/>
-        </p:nvSpPr>
+          <p:cNvSpPr>
+            <a:spLocks noGrp="1"/>
+          </p:cNvSpPr>
+          <p:nvPr>
+            <p:ph type="ctrTitle"/>
+          </p:nvPr>
+        </p:nvSpPr>
+        <p:spPr/>
+        <p:txBody>
+          <a:bodyPr/>
+          <a:lstStyle/>
+          <a:p>
+            <a:endParaRPr lang="ko-KR" altLang="en-US"/>
+          </a:p>
+        </p:txBody>
+      </p:sp>
+      <p:sp>
+        <p:nvSpPr>
+          <p:cNvPr id="3" name="부제목 2">
+            <a:extLst>
+              <a:ext uri="{FF2B5EF4-FFF2-40B4-BE49-F238E27FC236}">
+                <a16:creationId xmlns:a16="http://schemas.microsoft.com/office/drawing/2014/main" id="{454E1D8D-C47D-B79C-9D2D-6FB5B935042B}"/>
+              </a:ext>
+            </a:extLst>
+          </p:cNvPr>
+          <p:cNvSpPr>
+            <a:spLocks noGrp="1"/>
+          </p:cNvSpPr>
+          <p:nvPr>
+            <p:ph type="subTitle" idx="1"/>
+          </p:nvPr>
+        </p:nvSpPr>
+        <p:spPr/>
+        <p:txBody>
+          <a:bodyPr/>
+          <a:lstStyle/>
+          <a:p>
+            <a:endParaRPr lang="ko-KR" altLang="en-US"/>
+          </a:p>
+        </p:txBody>
+      </p:sp>
+      <p:pic>
+        <p:nvPicPr>
+          <p:cNvPr id="5" name="그림 4">
+            <a:extLst>
+              <a:ext uri="{FF2B5EF4-FFF2-40B4-BE49-F238E27FC236}">
+                <a16:creationId xmlns:a16="http://schemas.microsoft.com/office/drawing/2014/main" id="{2FE14A25-0CB2-3CAB-7894-FFDC62DF261D}"/>
+              </a:ext>
+            </a:extLst>
+          </p:cNvPr>
+          <p:cNvPicPr>
+            <a:picLocks noChangeAspect="1"/>
+          </p:cNvPicPr>
+          <p:nvPr/>
+        </p:nvPicPr>
+        <p:blipFill>
+          <a:blip r:embed="rId2"/>
+          <a:stretch>
+            <a:fillRect/>
+          </a:stretch>
+        </p:blipFill>
         <p:spPr>
           <a:xfrm>
-            <a:off x="8229600" y="4660403"/>
-            <a:ext cx="11506200" cy="769441"/>
+            <a:off x="589356" y="4057498"/>
+            <a:ext cx="17109288" cy="2172003"/>
           </a:xfrm>
           <a:prstGeom prst="rect">
             <a:avLst/>
           </a:prstGeom>
-          <a:noFill/>
         </p:spPr>
-        <p:txBody>
-          <a:bodyPr wrap="square" rtlCol="0">
-            <a:spAutoFit/>
-          </a:bodyPr>
-          <a:lstStyle/>
-          <a:p>
-            <a:r>
-              <a:rPr lang="ko-KR" altLang="en-US" sz="4400" b="1" dirty="0"/>
-              <a:t>소감</a:t>
-            </a:r>
-          </a:p>
-        </p:txBody>
-      </p:sp>
+      </p:pic>
     </p:spTree>
     <p:extLst>
       <p:ext uri="{BB962C8B-B14F-4D97-AF65-F5344CB8AC3E}">
-        <p14:creationId xmlns:p14="http://schemas.microsoft.com/office/powerpoint/2010/main" val="3238953457"/>
+        <p14:creationId xmlns:p14="http://schemas.microsoft.com/office/powerpoint/2010/main" val="4280698265"/>
       </p:ext>
     </p:extLst>
   </p:cSld>
